--- a/ThuyetTrinh_HaDiemQuynh_6151071021.pptx
+++ b/ThuyetTrinh_HaDiemQuynh_6151071021.pptx
@@ -16276,7 +16276,7 @@
           <a:p>
             <a:fld id="{44718691-4BB2-4AA2-95A3-198F465037B1}" type="datetimeFigureOut">
               <a:rPr lang="en-US" smtClean="0"/>
-              <a:t>6/29/2023</a:t>
+              <a:t>7/1/2023</a:t>
             </a:fld>
             <a:endParaRPr lang="en-US"/>
           </a:p>
@@ -16690,7 +16690,7 @@
           <a:p>
             <a:fld id="{FE358EC6-3DA9-4FB4-A6BC-7AF85A238A4C}" type="datetime2">
               <a:rPr lang="vi-VN" smtClean="0"/>
-              <a:t>Thứ Năm, 29 Tháng Sáu 2023</a:t>
+              <a:t>Thứ Bảy, 01 Tháng Bảy 2023</a:t>
             </a:fld>
             <a:endParaRPr lang="en-US"/>
           </a:p>
@@ -16760,13 +16760,13 @@
   <p:clrMapOvr>
     <a:masterClrMapping/>
   </p:clrMapOvr>
-  <mc:AlternateContent xmlns:mc="http://schemas.openxmlformats.org/markup-compatibility/2006">
-    <mc:Choice xmlns:p14="http://schemas.microsoft.com/office/powerpoint/2010/main" Requires="p14">
+  <mc:AlternateContent xmlns:mc="http://schemas.openxmlformats.org/markup-compatibility/2006" xmlns:p14="http://schemas.microsoft.com/office/powerpoint/2010/main">
+    <mc:Choice Requires="p14">
       <p:transition spd="med" p14:dur="700">
         <p:fade/>
       </p:transition>
     </mc:Choice>
-    <mc:Fallback>
+    <mc:Fallback xmlns="">
       <p:transition spd="med">
         <p:fade/>
       </p:transition>
@@ -16900,7 +16900,7 @@
           <a:p>
             <a:fld id="{10FF5B01-CF49-47A7-AC2E-FF0619FB6407}" type="datetime2">
               <a:rPr lang="vi-VN" smtClean="0"/>
-              <a:t>Thứ Năm, 29 Tháng Sáu 2023</a:t>
+              <a:t>Thứ Bảy, 01 Tháng Bảy 2023</a:t>
             </a:fld>
             <a:endParaRPr lang="en-US"/>
           </a:p>
@@ -16970,13 +16970,13 @@
   <p:clrMapOvr>
     <a:masterClrMapping/>
   </p:clrMapOvr>
-  <mc:AlternateContent xmlns:mc="http://schemas.openxmlformats.org/markup-compatibility/2006">
-    <mc:Choice xmlns:p14="http://schemas.microsoft.com/office/powerpoint/2010/main" Requires="p14">
+  <mc:AlternateContent xmlns:mc="http://schemas.openxmlformats.org/markup-compatibility/2006" xmlns:p14="http://schemas.microsoft.com/office/powerpoint/2010/main">
+    <mc:Choice Requires="p14">
       <p:transition spd="med" p14:dur="700">
         <p:fade/>
       </p:transition>
     </mc:Choice>
-    <mc:Fallback>
+    <mc:Fallback xmlns="">
       <p:transition spd="med">
         <p:fade/>
       </p:transition>
@@ -17120,7 +17120,7 @@
           <a:p>
             <a:fld id="{9394D852-74F8-41ED-A62D-E09CA80ACF69}" type="datetime2">
               <a:rPr lang="vi-VN" smtClean="0"/>
-              <a:t>Thứ Năm, 29 Tháng Sáu 2023</a:t>
+              <a:t>Thứ Bảy, 01 Tháng Bảy 2023</a:t>
             </a:fld>
             <a:endParaRPr lang="en-US"/>
           </a:p>
@@ -17190,13 +17190,13 @@
   <p:clrMapOvr>
     <a:masterClrMapping/>
   </p:clrMapOvr>
-  <mc:AlternateContent xmlns:mc="http://schemas.openxmlformats.org/markup-compatibility/2006">
-    <mc:Choice xmlns:p14="http://schemas.microsoft.com/office/powerpoint/2010/main" Requires="p14">
+  <mc:AlternateContent xmlns:mc="http://schemas.openxmlformats.org/markup-compatibility/2006" xmlns:p14="http://schemas.microsoft.com/office/powerpoint/2010/main">
+    <mc:Choice Requires="p14">
       <p:transition spd="med" p14:dur="700">
         <p:fade/>
       </p:transition>
     </mc:Choice>
-    <mc:Fallback>
+    <mc:Fallback xmlns="">
       <p:transition spd="med">
         <p:fade/>
       </p:transition>
@@ -17354,7 +17354,7 @@
           <a:p>
             <a:fld id="{1B2A6943-EDE3-4A4C-A6FF-F1D6A08AAA10}" type="datetimeFigureOut">
               <a:rPr lang="en-VN" smtClean="0"/>
-              <a:t>06/29/2023</a:t>
+              <a:t>07/01/2023</a:t>
             </a:fld>
             <a:endParaRPr lang="en-VN"/>
           </a:p>
@@ -17424,13 +17424,13 @@
   <p:clrMapOvr>
     <a:masterClrMapping/>
   </p:clrMapOvr>
-  <mc:AlternateContent xmlns:mc="http://schemas.openxmlformats.org/markup-compatibility/2006">
-    <mc:Choice xmlns:p14="http://schemas.microsoft.com/office/powerpoint/2010/main" Requires="p14">
+  <mc:AlternateContent xmlns:mc="http://schemas.openxmlformats.org/markup-compatibility/2006" xmlns:p14="http://schemas.microsoft.com/office/powerpoint/2010/main">
+    <mc:Choice Requires="p14">
       <p:transition spd="med" p14:dur="700">
         <p:fade/>
       </p:transition>
     </mc:Choice>
-    <mc:Fallback>
+    <mc:Fallback xmlns="">
       <p:transition spd="med">
         <p:fade/>
       </p:transition>
@@ -17566,7 +17566,7 @@
           <a:p>
             <a:fld id="{1B2A6943-EDE3-4A4C-A6FF-F1D6A08AAA10}" type="datetimeFigureOut">
               <a:rPr lang="en-VN" smtClean="0"/>
-              <a:t>06/29/2023</a:t>
+              <a:t>07/01/2023</a:t>
             </a:fld>
             <a:endParaRPr lang="en-VN"/>
           </a:p>
@@ -17636,13 +17636,13 @@
   <p:clrMapOvr>
     <a:masterClrMapping/>
   </p:clrMapOvr>
-  <mc:AlternateContent xmlns:mc="http://schemas.openxmlformats.org/markup-compatibility/2006">
-    <mc:Choice xmlns:p14="http://schemas.microsoft.com/office/powerpoint/2010/main" Requires="p14">
+  <mc:AlternateContent xmlns:mc="http://schemas.openxmlformats.org/markup-compatibility/2006" xmlns:p14="http://schemas.microsoft.com/office/powerpoint/2010/main">
+    <mc:Choice Requires="p14">
       <p:transition spd="med" p14:dur="700">
         <p:fade/>
       </p:transition>
     </mc:Choice>
-    <mc:Fallback>
+    <mc:Fallback xmlns="">
       <p:transition spd="med">
         <p:fade/>
       </p:transition>
@@ -17854,7 +17854,7 @@
           <a:p>
             <a:fld id="{1B2A6943-EDE3-4A4C-A6FF-F1D6A08AAA10}" type="datetimeFigureOut">
               <a:rPr lang="en-VN" smtClean="0"/>
-              <a:t>06/29/2023</a:t>
+              <a:t>07/01/2023</a:t>
             </a:fld>
             <a:endParaRPr lang="en-VN"/>
           </a:p>
@@ -17924,13 +17924,13 @@
   <p:clrMapOvr>
     <a:masterClrMapping/>
   </p:clrMapOvr>
-  <mc:AlternateContent xmlns:mc="http://schemas.openxmlformats.org/markup-compatibility/2006">
-    <mc:Choice xmlns:p14="http://schemas.microsoft.com/office/powerpoint/2010/main" Requires="p14">
+  <mc:AlternateContent xmlns:mc="http://schemas.openxmlformats.org/markup-compatibility/2006" xmlns:p14="http://schemas.microsoft.com/office/powerpoint/2010/main">
+    <mc:Choice Requires="p14">
       <p:transition spd="med" p14:dur="700">
         <p:fade/>
       </p:transition>
     </mc:Choice>
-    <mc:Fallback>
+    <mc:Fallback xmlns="">
       <p:transition spd="med">
         <p:fade/>
       </p:transition>
@@ -18134,7 +18134,7 @@
           <a:p>
             <a:fld id="{1B2A6943-EDE3-4A4C-A6FF-F1D6A08AAA10}" type="datetimeFigureOut">
               <a:rPr lang="en-VN" smtClean="0"/>
-              <a:t>06/29/2023</a:t>
+              <a:t>07/01/2023</a:t>
             </a:fld>
             <a:endParaRPr lang="en-VN"/>
           </a:p>
@@ -18204,13 +18204,13 @@
   <p:clrMapOvr>
     <a:masterClrMapping/>
   </p:clrMapOvr>
-  <mc:AlternateContent xmlns:mc="http://schemas.openxmlformats.org/markup-compatibility/2006">
-    <mc:Choice xmlns:p14="http://schemas.microsoft.com/office/powerpoint/2010/main" Requires="p14">
+  <mc:AlternateContent xmlns:mc="http://schemas.openxmlformats.org/markup-compatibility/2006" xmlns:p14="http://schemas.microsoft.com/office/powerpoint/2010/main">
+    <mc:Choice Requires="p14">
       <p:transition spd="med" p14:dur="700">
         <p:fade/>
       </p:transition>
     </mc:Choice>
-    <mc:Fallback>
+    <mc:Fallback xmlns="">
       <p:transition spd="med">
         <p:fade/>
       </p:transition>
@@ -18561,7 +18561,7 @@
           <a:p>
             <a:fld id="{1B2A6943-EDE3-4A4C-A6FF-F1D6A08AAA10}" type="datetimeFigureOut">
               <a:rPr lang="en-VN" smtClean="0"/>
-              <a:t>06/29/2023</a:t>
+              <a:t>07/01/2023</a:t>
             </a:fld>
             <a:endParaRPr lang="en-VN"/>
           </a:p>
@@ -18631,13 +18631,13 @@
   <p:clrMapOvr>
     <a:masterClrMapping/>
   </p:clrMapOvr>
-  <mc:AlternateContent xmlns:mc="http://schemas.openxmlformats.org/markup-compatibility/2006">
-    <mc:Choice xmlns:p14="http://schemas.microsoft.com/office/powerpoint/2010/main" Requires="p14">
+  <mc:AlternateContent xmlns:mc="http://schemas.openxmlformats.org/markup-compatibility/2006" xmlns:p14="http://schemas.microsoft.com/office/powerpoint/2010/main">
+    <mc:Choice Requires="p14">
       <p:transition spd="med" p14:dur="700">
         <p:fade/>
       </p:transition>
     </mc:Choice>
-    <mc:Fallback>
+    <mc:Fallback xmlns="">
       <p:transition spd="med">
         <p:fade/>
       </p:transition>
@@ -18715,7 +18715,7 @@
           <a:p>
             <a:fld id="{1B2A6943-EDE3-4A4C-A6FF-F1D6A08AAA10}" type="datetimeFigureOut">
               <a:rPr lang="en-VN" smtClean="0"/>
-              <a:t>06/29/2023</a:t>
+              <a:t>07/01/2023</a:t>
             </a:fld>
             <a:endParaRPr lang="en-VN"/>
           </a:p>
@@ -18785,13 +18785,13 @@
   <p:clrMapOvr>
     <a:masterClrMapping/>
   </p:clrMapOvr>
-  <mc:AlternateContent xmlns:mc="http://schemas.openxmlformats.org/markup-compatibility/2006">
-    <mc:Choice xmlns:p14="http://schemas.microsoft.com/office/powerpoint/2010/main" Requires="p14">
+  <mc:AlternateContent xmlns:mc="http://schemas.openxmlformats.org/markup-compatibility/2006" xmlns:p14="http://schemas.microsoft.com/office/powerpoint/2010/main">
+    <mc:Choice Requires="p14">
       <p:transition spd="med" p14:dur="700">
         <p:fade/>
       </p:transition>
     </mc:Choice>
-    <mc:Fallback>
+    <mc:Fallback xmlns="">
       <p:transition spd="med">
         <p:fade/>
       </p:transition>
@@ -18840,7 +18840,7 @@
           <a:p>
             <a:fld id="{1B2A6943-EDE3-4A4C-A6FF-F1D6A08AAA10}" type="datetimeFigureOut">
               <a:rPr lang="en-VN" smtClean="0"/>
-              <a:t>06/29/2023</a:t>
+              <a:t>07/01/2023</a:t>
             </a:fld>
             <a:endParaRPr lang="en-VN"/>
           </a:p>
@@ -18910,13 +18910,13 @@
   <p:clrMapOvr>
     <a:masterClrMapping/>
   </p:clrMapOvr>
-  <mc:AlternateContent xmlns:mc="http://schemas.openxmlformats.org/markup-compatibility/2006">
-    <mc:Choice xmlns:p14="http://schemas.microsoft.com/office/powerpoint/2010/main" Requires="p14">
+  <mc:AlternateContent xmlns:mc="http://schemas.openxmlformats.org/markup-compatibility/2006" xmlns:p14="http://schemas.microsoft.com/office/powerpoint/2010/main">
+    <mc:Choice Requires="p14">
       <p:transition spd="med" p14:dur="700">
         <p:fade/>
       </p:transition>
     </mc:Choice>
-    <mc:Fallback>
+    <mc:Fallback xmlns="">
       <p:transition spd="med">
         <p:fade/>
       </p:transition>
@@ -19165,7 +19165,7 @@
           <a:p>
             <a:fld id="{1B2A6943-EDE3-4A4C-A6FF-F1D6A08AAA10}" type="datetimeFigureOut">
               <a:rPr lang="en-VN" smtClean="0"/>
-              <a:t>06/29/2023</a:t>
+              <a:t>07/01/2023</a:t>
             </a:fld>
             <a:endParaRPr lang="en-VN"/>
           </a:p>
@@ -19235,13 +19235,13 @@
   <p:clrMapOvr>
     <a:masterClrMapping/>
   </p:clrMapOvr>
-  <mc:AlternateContent xmlns:mc="http://schemas.openxmlformats.org/markup-compatibility/2006">
-    <mc:Choice xmlns:p14="http://schemas.microsoft.com/office/powerpoint/2010/main" Requires="p14">
+  <mc:AlternateContent xmlns:mc="http://schemas.openxmlformats.org/markup-compatibility/2006" xmlns:p14="http://schemas.microsoft.com/office/powerpoint/2010/main">
+    <mc:Choice Requires="p14">
       <p:transition spd="med" p14:dur="700">
         <p:fade/>
       </p:transition>
     </mc:Choice>
-    <mc:Fallback>
+    <mc:Fallback xmlns="">
       <p:transition spd="med">
         <p:fade/>
       </p:transition>
@@ -19375,7 +19375,7 @@
           <a:p>
             <a:fld id="{C8B11A2D-D4BC-424B-89EC-3DF212EFB3CD}" type="datetime2">
               <a:rPr lang="vi-VN" smtClean="0"/>
-              <a:t>Thứ Năm, 29 Tháng Sáu 2023</a:t>
+              <a:t>Thứ Bảy, 01 Tháng Bảy 2023</a:t>
             </a:fld>
             <a:endParaRPr lang="en-US"/>
           </a:p>
@@ -19445,13 +19445,13 @@
   <p:clrMapOvr>
     <a:masterClrMapping/>
   </p:clrMapOvr>
-  <mc:AlternateContent xmlns:mc="http://schemas.openxmlformats.org/markup-compatibility/2006">
-    <mc:Choice xmlns:p14="http://schemas.microsoft.com/office/powerpoint/2010/main" Requires="p14">
+  <mc:AlternateContent xmlns:mc="http://schemas.openxmlformats.org/markup-compatibility/2006" xmlns:p14="http://schemas.microsoft.com/office/powerpoint/2010/main">
+    <mc:Choice Requires="p14">
       <p:transition spd="med" p14:dur="700">
         <p:fade/>
       </p:transition>
     </mc:Choice>
-    <mc:Fallback>
+    <mc:Fallback xmlns="">
       <p:transition spd="med">
         <p:fade/>
       </p:transition>
@@ -19676,7 +19676,7 @@
           <a:p>
             <a:fld id="{1B2A6943-EDE3-4A4C-A6FF-F1D6A08AAA10}" type="datetimeFigureOut">
               <a:rPr lang="en-VN" smtClean="0"/>
-              <a:t>06/29/2023</a:t>
+              <a:t>07/01/2023</a:t>
             </a:fld>
             <a:endParaRPr lang="en-VN"/>
           </a:p>
@@ -19746,13 +19746,13 @@
   <p:clrMapOvr>
     <a:masterClrMapping/>
   </p:clrMapOvr>
-  <mc:AlternateContent xmlns:mc="http://schemas.openxmlformats.org/markup-compatibility/2006">
-    <mc:Choice xmlns:p14="http://schemas.microsoft.com/office/powerpoint/2010/main" Requires="p14">
+  <mc:AlternateContent xmlns:mc="http://schemas.openxmlformats.org/markup-compatibility/2006" xmlns:p14="http://schemas.microsoft.com/office/powerpoint/2010/main">
+    <mc:Choice Requires="p14">
       <p:transition spd="med" p14:dur="700">
         <p:fade/>
       </p:transition>
     </mc:Choice>
-    <mc:Fallback>
+    <mc:Fallback xmlns="">
       <p:transition spd="med">
         <p:fade/>
       </p:transition>
@@ -19888,7 +19888,7 @@
           <a:p>
             <a:fld id="{1B2A6943-EDE3-4A4C-A6FF-F1D6A08AAA10}" type="datetimeFigureOut">
               <a:rPr lang="en-VN" smtClean="0"/>
-              <a:t>06/29/2023</a:t>
+              <a:t>07/01/2023</a:t>
             </a:fld>
             <a:endParaRPr lang="en-VN"/>
           </a:p>
@@ -19958,13 +19958,13 @@
   <p:clrMapOvr>
     <a:masterClrMapping/>
   </p:clrMapOvr>
-  <mc:AlternateContent xmlns:mc="http://schemas.openxmlformats.org/markup-compatibility/2006">
-    <mc:Choice xmlns:p14="http://schemas.microsoft.com/office/powerpoint/2010/main" Requires="p14">
+  <mc:AlternateContent xmlns:mc="http://schemas.openxmlformats.org/markup-compatibility/2006" xmlns:p14="http://schemas.microsoft.com/office/powerpoint/2010/main">
+    <mc:Choice Requires="p14">
       <p:transition spd="med" p14:dur="700">
         <p:fade/>
       </p:transition>
     </mc:Choice>
-    <mc:Fallback>
+    <mc:Fallback xmlns="">
       <p:transition spd="med">
         <p:fade/>
       </p:transition>
@@ -20110,7 +20110,7 @@
           <a:p>
             <a:fld id="{1B2A6943-EDE3-4A4C-A6FF-F1D6A08AAA10}" type="datetimeFigureOut">
               <a:rPr lang="en-VN" smtClean="0"/>
-              <a:t>06/29/2023</a:t>
+              <a:t>07/01/2023</a:t>
             </a:fld>
             <a:endParaRPr lang="en-VN"/>
           </a:p>
@@ -20180,13 +20180,13 @@
   <p:clrMapOvr>
     <a:masterClrMapping/>
   </p:clrMapOvr>
-  <mc:AlternateContent xmlns:mc="http://schemas.openxmlformats.org/markup-compatibility/2006">
-    <mc:Choice xmlns:p14="http://schemas.microsoft.com/office/powerpoint/2010/main" Requires="p14">
+  <mc:AlternateContent xmlns:mc="http://schemas.openxmlformats.org/markup-compatibility/2006" xmlns:p14="http://schemas.microsoft.com/office/powerpoint/2010/main">
+    <mc:Choice Requires="p14">
       <p:transition spd="med" p14:dur="700">
         <p:fade/>
       </p:transition>
     </mc:Choice>
-    <mc:Fallback>
+    <mc:Fallback xmlns="">
       <p:transition spd="med">
         <p:fade/>
       </p:transition>
@@ -20344,7 +20344,7 @@
           <a:p>
             <a:fld id="{7547321B-89FA-F64E-9F55-0AC52D060466}" type="datetimeFigureOut">
               <a:rPr lang="en-VN" smtClean="0"/>
-              <a:t>06/29/2023</a:t>
+              <a:t>07/01/2023</a:t>
             </a:fld>
             <a:endParaRPr lang="en-VN"/>
           </a:p>
@@ -20414,13 +20414,13 @@
   <p:clrMapOvr>
     <a:masterClrMapping/>
   </p:clrMapOvr>
-  <mc:AlternateContent xmlns:mc="http://schemas.openxmlformats.org/markup-compatibility/2006">
-    <mc:Choice xmlns:p14="http://schemas.microsoft.com/office/powerpoint/2010/main" Requires="p14">
+  <mc:AlternateContent xmlns:mc="http://schemas.openxmlformats.org/markup-compatibility/2006" xmlns:p14="http://schemas.microsoft.com/office/powerpoint/2010/main">
+    <mc:Choice Requires="p14">
       <p:transition spd="med" p14:dur="700">
         <p:fade/>
       </p:transition>
     </mc:Choice>
-    <mc:Fallback>
+    <mc:Fallback xmlns="">
       <p:transition spd="med">
         <p:fade/>
       </p:transition>
@@ -20556,7 +20556,7 @@
           <a:p>
             <a:fld id="{7547321B-89FA-F64E-9F55-0AC52D060466}" type="datetimeFigureOut">
               <a:rPr lang="en-VN" smtClean="0"/>
-              <a:t>06/29/2023</a:t>
+              <a:t>07/01/2023</a:t>
             </a:fld>
             <a:endParaRPr lang="en-VN"/>
           </a:p>
@@ -20626,13 +20626,13 @@
   <p:clrMapOvr>
     <a:masterClrMapping/>
   </p:clrMapOvr>
-  <mc:AlternateContent xmlns:mc="http://schemas.openxmlformats.org/markup-compatibility/2006">
-    <mc:Choice xmlns:p14="http://schemas.microsoft.com/office/powerpoint/2010/main" Requires="p14">
+  <mc:AlternateContent xmlns:mc="http://schemas.openxmlformats.org/markup-compatibility/2006" xmlns:p14="http://schemas.microsoft.com/office/powerpoint/2010/main">
+    <mc:Choice Requires="p14">
       <p:transition spd="med" p14:dur="700">
         <p:fade/>
       </p:transition>
     </mc:Choice>
-    <mc:Fallback>
+    <mc:Fallback xmlns="">
       <p:transition spd="med">
         <p:fade/>
       </p:transition>
@@ -20844,7 +20844,7 @@
           <a:p>
             <a:fld id="{7547321B-89FA-F64E-9F55-0AC52D060466}" type="datetimeFigureOut">
               <a:rPr lang="en-VN" smtClean="0"/>
-              <a:t>06/29/2023</a:t>
+              <a:t>07/01/2023</a:t>
             </a:fld>
             <a:endParaRPr lang="en-VN"/>
           </a:p>
@@ -20914,13 +20914,13 @@
   <p:clrMapOvr>
     <a:masterClrMapping/>
   </p:clrMapOvr>
-  <mc:AlternateContent xmlns:mc="http://schemas.openxmlformats.org/markup-compatibility/2006">
-    <mc:Choice xmlns:p14="http://schemas.microsoft.com/office/powerpoint/2010/main" Requires="p14">
+  <mc:AlternateContent xmlns:mc="http://schemas.openxmlformats.org/markup-compatibility/2006" xmlns:p14="http://schemas.microsoft.com/office/powerpoint/2010/main">
+    <mc:Choice Requires="p14">
       <p:transition spd="med" p14:dur="700">
         <p:fade/>
       </p:transition>
     </mc:Choice>
-    <mc:Fallback>
+    <mc:Fallback xmlns="">
       <p:transition spd="med">
         <p:fade/>
       </p:transition>
@@ -21124,7 +21124,7 @@
           <a:p>
             <a:fld id="{7547321B-89FA-F64E-9F55-0AC52D060466}" type="datetimeFigureOut">
               <a:rPr lang="en-VN" smtClean="0"/>
-              <a:t>06/29/2023</a:t>
+              <a:t>07/01/2023</a:t>
             </a:fld>
             <a:endParaRPr lang="en-VN"/>
           </a:p>
@@ -21194,13 +21194,13 @@
   <p:clrMapOvr>
     <a:masterClrMapping/>
   </p:clrMapOvr>
-  <mc:AlternateContent xmlns:mc="http://schemas.openxmlformats.org/markup-compatibility/2006">
-    <mc:Choice xmlns:p14="http://schemas.microsoft.com/office/powerpoint/2010/main" Requires="p14">
+  <mc:AlternateContent xmlns:mc="http://schemas.openxmlformats.org/markup-compatibility/2006" xmlns:p14="http://schemas.microsoft.com/office/powerpoint/2010/main">
+    <mc:Choice Requires="p14">
       <p:transition spd="med" p14:dur="700">
         <p:fade/>
       </p:transition>
     </mc:Choice>
-    <mc:Fallback>
+    <mc:Fallback xmlns="">
       <p:transition spd="med">
         <p:fade/>
       </p:transition>
@@ -21551,7 +21551,7 @@
           <a:p>
             <a:fld id="{7547321B-89FA-F64E-9F55-0AC52D060466}" type="datetimeFigureOut">
               <a:rPr lang="en-VN" smtClean="0"/>
-              <a:t>06/29/2023</a:t>
+              <a:t>07/01/2023</a:t>
             </a:fld>
             <a:endParaRPr lang="en-VN"/>
           </a:p>
@@ -21621,13 +21621,13 @@
   <p:clrMapOvr>
     <a:masterClrMapping/>
   </p:clrMapOvr>
-  <mc:AlternateContent xmlns:mc="http://schemas.openxmlformats.org/markup-compatibility/2006">
-    <mc:Choice xmlns:p14="http://schemas.microsoft.com/office/powerpoint/2010/main" Requires="p14">
+  <mc:AlternateContent xmlns:mc="http://schemas.openxmlformats.org/markup-compatibility/2006" xmlns:p14="http://schemas.microsoft.com/office/powerpoint/2010/main">
+    <mc:Choice Requires="p14">
       <p:transition spd="med" p14:dur="700">
         <p:fade/>
       </p:transition>
     </mc:Choice>
-    <mc:Fallback>
+    <mc:Fallback xmlns="">
       <p:transition spd="med">
         <p:fade/>
       </p:transition>
@@ -21705,7 +21705,7 @@
           <a:p>
             <a:fld id="{7547321B-89FA-F64E-9F55-0AC52D060466}" type="datetimeFigureOut">
               <a:rPr lang="en-VN" smtClean="0"/>
-              <a:t>06/29/2023</a:t>
+              <a:t>07/01/2023</a:t>
             </a:fld>
             <a:endParaRPr lang="en-VN"/>
           </a:p>
@@ -21775,13 +21775,13 @@
   <p:clrMapOvr>
     <a:masterClrMapping/>
   </p:clrMapOvr>
-  <mc:AlternateContent xmlns:mc="http://schemas.openxmlformats.org/markup-compatibility/2006">
-    <mc:Choice xmlns:p14="http://schemas.microsoft.com/office/powerpoint/2010/main" Requires="p14">
+  <mc:AlternateContent xmlns:mc="http://schemas.openxmlformats.org/markup-compatibility/2006" xmlns:p14="http://schemas.microsoft.com/office/powerpoint/2010/main">
+    <mc:Choice Requires="p14">
       <p:transition spd="med" p14:dur="700">
         <p:fade/>
       </p:transition>
     </mc:Choice>
-    <mc:Fallback>
+    <mc:Fallback xmlns="">
       <p:transition spd="med">
         <p:fade/>
       </p:transition>
@@ -21830,7 +21830,7 @@
           <a:p>
             <a:fld id="{7547321B-89FA-F64E-9F55-0AC52D060466}" type="datetimeFigureOut">
               <a:rPr lang="en-VN" smtClean="0"/>
-              <a:t>06/29/2023</a:t>
+              <a:t>07/01/2023</a:t>
             </a:fld>
             <a:endParaRPr lang="en-VN"/>
           </a:p>
@@ -21900,13 +21900,13 @@
   <p:clrMapOvr>
     <a:masterClrMapping/>
   </p:clrMapOvr>
-  <mc:AlternateContent xmlns:mc="http://schemas.openxmlformats.org/markup-compatibility/2006">
-    <mc:Choice xmlns:p14="http://schemas.microsoft.com/office/powerpoint/2010/main" Requires="p14">
+  <mc:AlternateContent xmlns:mc="http://schemas.openxmlformats.org/markup-compatibility/2006" xmlns:p14="http://schemas.microsoft.com/office/powerpoint/2010/main">
+    <mc:Choice Requires="p14">
       <p:transition spd="med" p14:dur="700">
         <p:fade/>
       </p:transition>
     </mc:Choice>
-    <mc:Fallback>
+    <mc:Fallback xmlns="">
       <p:transition spd="med">
         <p:fade/>
       </p:transition>
@@ -22117,7 +22117,7 @@
           <a:p>
             <a:fld id="{99839D68-2752-4A65-87FB-420641006516}" type="datetime2">
               <a:rPr lang="vi-VN" smtClean="0"/>
-              <a:t>Thứ Năm, 29 Tháng Sáu 2023</a:t>
+              <a:t>Thứ Bảy, 01 Tháng Bảy 2023</a:t>
             </a:fld>
             <a:endParaRPr lang="en-US"/>
           </a:p>
@@ -22187,13 +22187,13 @@
   <p:clrMapOvr>
     <a:masterClrMapping/>
   </p:clrMapOvr>
-  <mc:AlternateContent xmlns:mc="http://schemas.openxmlformats.org/markup-compatibility/2006">
-    <mc:Choice xmlns:p14="http://schemas.microsoft.com/office/powerpoint/2010/main" Requires="p14">
+  <mc:AlternateContent xmlns:mc="http://schemas.openxmlformats.org/markup-compatibility/2006" xmlns:p14="http://schemas.microsoft.com/office/powerpoint/2010/main">
+    <mc:Choice Requires="p14">
       <p:transition spd="med" p14:dur="700">
         <p:fade/>
       </p:transition>
     </mc:Choice>
-    <mc:Fallback>
+    <mc:Fallback xmlns="">
       <p:transition spd="med">
         <p:fade/>
       </p:transition>
@@ -22442,7 +22442,7 @@
           <a:p>
             <a:fld id="{7547321B-89FA-F64E-9F55-0AC52D060466}" type="datetimeFigureOut">
               <a:rPr lang="en-VN" smtClean="0"/>
-              <a:t>06/29/2023</a:t>
+              <a:t>07/01/2023</a:t>
             </a:fld>
             <a:endParaRPr lang="en-VN"/>
           </a:p>
@@ -22512,13 +22512,13 @@
   <p:clrMapOvr>
     <a:masterClrMapping/>
   </p:clrMapOvr>
-  <mc:AlternateContent xmlns:mc="http://schemas.openxmlformats.org/markup-compatibility/2006">
-    <mc:Choice xmlns:p14="http://schemas.microsoft.com/office/powerpoint/2010/main" Requires="p14">
+  <mc:AlternateContent xmlns:mc="http://schemas.openxmlformats.org/markup-compatibility/2006" xmlns:p14="http://schemas.microsoft.com/office/powerpoint/2010/main">
+    <mc:Choice Requires="p14">
       <p:transition spd="med" p14:dur="700">
         <p:fade/>
       </p:transition>
     </mc:Choice>
-    <mc:Fallback>
+    <mc:Fallback xmlns="">
       <p:transition spd="med">
         <p:fade/>
       </p:transition>
@@ -22743,7 +22743,7 @@
           <a:p>
             <a:fld id="{7547321B-89FA-F64E-9F55-0AC52D060466}" type="datetimeFigureOut">
               <a:rPr lang="en-VN" smtClean="0"/>
-              <a:t>06/29/2023</a:t>
+              <a:t>07/01/2023</a:t>
             </a:fld>
             <a:endParaRPr lang="en-VN"/>
           </a:p>
@@ -22813,13 +22813,13 @@
   <p:clrMapOvr>
     <a:masterClrMapping/>
   </p:clrMapOvr>
-  <mc:AlternateContent xmlns:mc="http://schemas.openxmlformats.org/markup-compatibility/2006">
-    <mc:Choice xmlns:p14="http://schemas.microsoft.com/office/powerpoint/2010/main" Requires="p14">
+  <mc:AlternateContent xmlns:mc="http://schemas.openxmlformats.org/markup-compatibility/2006" xmlns:p14="http://schemas.microsoft.com/office/powerpoint/2010/main">
+    <mc:Choice Requires="p14">
       <p:transition spd="med" p14:dur="700">
         <p:fade/>
       </p:transition>
     </mc:Choice>
-    <mc:Fallback>
+    <mc:Fallback xmlns="">
       <p:transition spd="med">
         <p:fade/>
       </p:transition>
@@ -22955,7 +22955,7 @@
           <a:p>
             <a:fld id="{7547321B-89FA-F64E-9F55-0AC52D060466}" type="datetimeFigureOut">
               <a:rPr lang="en-VN" smtClean="0"/>
-              <a:t>06/29/2023</a:t>
+              <a:t>07/01/2023</a:t>
             </a:fld>
             <a:endParaRPr lang="en-VN"/>
           </a:p>
@@ -23025,13 +23025,13 @@
   <p:clrMapOvr>
     <a:masterClrMapping/>
   </p:clrMapOvr>
-  <mc:AlternateContent xmlns:mc="http://schemas.openxmlformats.org/markup-compatibility/2006">
-    <mc:Choice xmlns:p14="http://schemas.microsoft.com/office/powerpoint/2010/main" Requires="p14">
+  <mc:AlternateContent xmlns:mc="http://schemas.openxmlformats.org/markup-compatibility/2006" xmlns:p14="http://schemas.microsoft.com/office/powerpoint/2010/main">
+    <mc:Choice Requires="p14">
       <p:transition spd="med" p14:dur="700">
         <p:fade/>
       </p:transition>
     </mc:Choice>
-    <mc:Fallback>
+    <mc:Fallback xmlns="">
       <p:transition spd="med">
         <p:fade/>
       </p:transition>
@@ -23177,7 +23177,7 @@
           <a:p>
             <a:fld id="{7547321B-89FA-F64E-9F55-0AC52D060466}" type="datetimeFigureOut">
               <a:rPr lang="en-VN" smtClean="0"/>
-              <a:t>06/29/2023</a:t>
+              <a:t>07/01/2023</a:t>
             </a:fld>
             <a:endParaRPr lang="en-VN"/>
           </a:p>
@@ -23247,13 +23247,13 @@
   <p:clrMapOvr>
     <a:masterClrMapping/>
   </p:clrMapOvr>
-  <mc:AlternateContent xmlns:mc="http://schemas.openxmlformats.org/markup-compatibility/2006">
-    <mc:Choice xmlns:p14="http://schemas.microsoft.com/office/powerpoint/2010/main" Requires="p14">
+  <mc:AlternateContent xmlns:mc="http://schemas.openxmlformats.org/markup-compatibility/2006" xmlns:p14="http://schemas.microsoft.com/office/powerpoint/2010/main">
+    <mc:Choice Requires="p14">
       <p:transition spd="med" p14:dur="700">
         <p:fade/>
       </p:transition>
     </mc:Choice>
-    <mc:Fallback>
+    <mc:Fallback xmlns="">
       <p:transition spd="med">
         <p:fade/>
       </p:transition>
@@ -23454,7 +23454,7 @@
           <a:p>
             <a:fld id="{196C8CC5-92C8-4580-8AD5-ABB05C508784}" type="datetime2">
               <a:rPr lang="vi-VN" smtClean="0"/>
-              <a:t>Thứ Năm, 29 Tháng Sáu 2023</a:t>
+              <a:t>Thứ Bảy, 01 Tháng Bảy 2023</a:t>
             </a:fld>
             <a:endParaRPr lang="en-US"/>
           </a:p>
@@ -23524,13 +23524,13 @@
   <p:clrMapOvr>
     <a:masterClrMapping/>
   </p:clrMapOvr>
-  <mc:AlternateContent xmlns:mc="http://schemas.openxmlformats.org/markup-compatibility/2006">
-    <mc:Choice xmlns:p14="http://schemas.microsoft.com/office/powerpoint/2010/main" Requires="p14">
+  <mc:AlternateContent xmlns:mc="http://schemas.openxmlformats.org/markup-compatibility/2006" xmlns:p14="http://schemas.microsoft.com/office/powerpoint/2010/main">
+    <mc:Choice Requires="p14">
       <p:transition spd="med" p14:dur="700">
         <p:fade/>
       </p:transition>
     </mc:Choice>
-    <mc:Fallback>
+    <mc:Fallback xmlns="">
       <p:transition spd="med">
         <p:fade/>
       </p:transition>
@@ -23878,7 +23878,7 @@
           <a:p>
             <a:fld id="{4C45A628-E521-4B5C-8EE9-2C5D3E51530D}" type="datetime2">
               <a:rPr lang="vi-VN" smtClean="0"/>
-              <a:t>Thứ Năm, 29 Tháng Sáu 2023</a:t>
+              <a:t>Thứ Bảy, 01 Tháng Bảy 2023</a:t>
             </a:fld>
             <a:endParaRPr lang="en-US"/>
           </a:p>
@@ -23948,13 +23948,13 @@
   <p:clrMapOvr>
     <a:masterClrMapping/>
   </p:clrMapOvr>
-  <mc:AlternateContent xmlns:mc="http://schemas.openxmlformats.org/markup-compatibility/2006">
-    <mc:Choice xmlns:p14="http://schemas.microsoft.com/office/powerpoint/2010/main" Requires="p14">
+  <mc:AlternateContent xmlns:mc="http://schemas.openxmlformats.org/markup-compatibility/2006" xmlns:p14="http://schemas.microsoft.com/office/powerpoint/2010/main">
+    <mc:Choice Requires="p14">
       <p:transition spd="med" p14:dur="700">
         <p:fade/>
       </p:transition>
     </mc:Choice>
-    <mc:Fallback>
+    <mc:Fallback xmlns="">
       <p:transition spd="med">
         <p:fade/>
       </p:transition>
@@ -24031,7 +24031,7 @@
           <a:p>
             <a:fld id="{27E3EAB7-0F14-406A-8971-5610449F0BBD}" type="datetime2">
               <a:rPr lang="vi-VN" smtClean="0"/>
-              <a:t>Thứ Năm, 29 Tháng Sáu 2023</a:t>
+              <a:t>Thứ Bảy, 01 Tháng Bảy 2023</a:t>
             </a:fld>
             <a:endParaRPr lang="en-US"/>
           </a:p>
@@ -24101,13 +24101,13 @@
   <p:clrMapOvr>
     <a:masterClrMapping/>
   </p:clrMapOvr>
-  <mc:AlternateContent xmlns:mc="http://schemas.openxmlformats.org/markup-compatibility/2006">
-    <mc:Choice xmlns:p14="http://schemas.microsoft.com/office/powerpoint/2010/main" Requires="p14">
+  <mc:AlternateContent xmlns:mc="http://schemas.openxmlformats.org/markup-compatibility/2006" xmlns:p14="http://schemas.microsoft.com/office/powerpoint/2010/main">
+    <mc:Choice Requires="p14">
       <p:transition spd="med" p14:dur="700">
         <p:fade/>
       </p:transition>
     </mc:Choice>
-    <mc:Fallback>
+    <mc:Fallback xmlns="">
       <p:transition spd="med">
         <p:fade/>
       </p:transition>
@@ -24156,7 +24156,7 @@
           <a:p>
             <a:fld id="{78559A96-5B6E-4EFA-B488-5918F0D30500}" type="datetime2">
               <a:rPr lang="vi-VN" smtClean="0"/>
-              <a:t>Thứ Năm, 29 Tháng Sáu 2023</a:t>
+              <a:t>Thứ Bảy, 01 Tháng Bảy 2023</a:t>
             </a:fld>
             <a:endParaRPr lang="en-US"/>
           </a:p>
@@ -24226,13 +24226,13 @@
   <p:clrMapOvr>
     <a:masterClrMapping/>
   </p:clrMapOvr>
-  <mc:AlternateContent xmlns:mc="http://schemas.openxmlformats.org/markup-compatibility/2006">
-    <mc:Choice xmlns:p14="http://schemas.microsoft.com/office/powerpoint/2010/main" Requires="p14">
+  <mc:AlternateContent xmlns:mc="http://schemas.openxmlformats.org/markup-compatibility/2006" xmlns:p14="http://schemas.microsoft.com/office/powerpoint/2010/main">
+    <mc:Choice Requires="p14">
       <p:transition spd="med" p14:dur="700">
         <p:fade/>
       </p:transition>
     </mc:Choice>
-    <mc:Fallback>
+    <mc:Fallback xmlns="">
       <p:transition spd="med">
         <p:fade/>
       </p:transition>
@@ -24479,7 +24479,7 @@
           <a:p>
             <a:fld id="{14E47695-E859-4344-A8AB-906FEA014869}" type="datetime2">
               <a:rPr lang="vi-VN" smtClean="0"/>
-              <a:t>Thứ Năm, 29 Tháng Sáu 2023</a:t>
+              <a:t>Thứ Bảy, 01 Tháng Bảy 2023</a:t>
             </a:fld>
             <a:endParaRPr lang="en-US"/>
           </a:p>
@@ -24549,13 +24549,13 @@
   <p:clrMapOvr>
     <a:masterClrMapping/>
   </p:clrMapOvr>
-  <mc:AlternateContent xmlns:mc="http://schemas.openxmlformats.org/markup-compatibility/2006">
-    <mc:Choice xmlns:p14="http://schemas.microsoft.com/office/powerpoint/2010/main" Requires="p14">
+  <mc:AlternateContent xmlns:mc="http://schemas.openxmlformats.org/markup-compatibility/2006" xmlns:p14="http://schemas.microsoft.com/office/powerpoint/2010/main">
+    <mc:Choice Requires="p14">
       <p:transition spd="med" p14:dur="700">
         <p:fade/>
       </p:transition>
     </mc:Choice>
-    <mc:Fallback>
+    <mc:Fallback xmlns="">
       <p:transition spd="med">
         <p:fade/>
       </p:transition>
@@ -24779,7 +24779,7 @@
           <a:p>
             <a:fld id="{0E7BB052-7DF5-4645-BA89-E15990F2FDCF}" type="datetime2">
               <a:rPr lang="vi-VN" smtClean="0"/>
-              <a:t>Thứ Năm, 29 Tháng Sáu 2023</a:t>
+              <a:t>Thứ Bảy, 01 Tháng Bảy 2023</a:t>
             </a:fld>
             <a:endParaRPr lang="en-US"/>
           </a:p>
@@ -24849,13 +24849,13 @@
   <p:clrMapOvr>
     <a:masterClrMapping/>
   </p:clrMapOvr>
-  <mc:AlternateContent xmlns:mc="http://schemas.openxmlformats.org/markup-compatibility/2006">
-    <mc:Choice xmlns:p14="http://schemas.microsoft.com/office/powerpoint/2010/main" Requires="p14">
+  <mc:AlternateContent xmlns:mc="http://schemas.openxmlformats.org/markup-compatibility/2006" xmlns:p14="http://schemas.microsoft.com/office/powerpoint/2010/main">
+    <mc:Choice Requires="p14">
       <p:transition spd="med" p14:dur="700">
         <p:fade/>
       </p:transition>
     </mc:Choice>
-    <mc:Fallback>
+    <mc:Fallback xmlns="">
       <p:transition spd="med">
         <p:fade/>
       </p:transition>
@@ -25032,7 +25032,7 @@
           <a:p>
             <a:fld id="{6E0C1ADA-AA7F-4124-B504-B17523281D17}" type="datetime2">
               <a:rPr lang="vi-VN" smtClean="0"/>
-              <a:t>Thứ Năm, 29 Tháng Sáu 2023</a:t>
+              <a:t>Thứ Bảy, 01 Tháng Bảy 2023</a:t>
             </a:fld>
             <a:endParaRPr lang="en-US"/>
           </a:p>
@@ -25179,13 +25179,13 @@
     <p:sldLayoutId id="2147483658" r:id="rId10"/>
     <p:sldLayoutId id="2147483659" r:id="rId11"/>
   </p:sldLayoutIdLst>
-  <mc:AlternateContent xmlns:mc="http://schemas.openxmlformats.org/markup-compatibility/2006">
-    <mc:Choice xmlns:p14="http://schemas.microsoft.com/office/powerpoint/2010/main" Requires="p14">
+  <mc:AlternateContent xmlns:mc="http://schemas.openxmlformats.org/markup-compatibility/2006" xmlns:p14="http://schemas.microsoft.com/office/powerpoint/2010/main">
+    <mc:Choice Requires="p14">
       <p:transition spd="med" p14:dur="700">
         <p:fade/>
       </p:transition>
     </mc:Choice>
-    <mc:Fallback>
+    <mc:Fallback xmlns="">
       <p:transition spd="med">
         <p:fade/>
       </p:transition>
@@ -25645,7 +25645,7 @@
           <a:p>
             <a:fld id="{1B2A6943-EDE3-4A4C-A6FF-F1D6A08AAA10}" type="datetimeFigureOut">
               <a:rPr lang="en-VN" smtClean="0"/>
-              <a:t>06/29/2023</a:t>
+              <a:t>07/01/2023</a:t>
             </a:fld>
             <a:endParaRPr lang="en-VN"/>
           </a:p>
@@ -25762,13 +25762,13 @@
     <p:sldLayoutId id="2147483682" r:id="rId10"/>
     <p:sldLayoutId id="2147483683" r:id="rId11"/>
   </p:sldLayoutIdLst>
-  <mc:AlternateContent xmlns:mc="http://schemas.openxmlformats.org/markup-compatibility/2006">
-    <mc:Choice xmlns:p14="http://schemas.microsoft.com/office/powerpoint/2010/main" Requires="p14">
+  <mc:AlternateContent xmlns:mc="http://schemas.openxmlformats.org/markup-compatibility/2006" xmlns:p14="http://schemas.microsoft.com/office/powerpoint/2010/main">
+    <mc:Choice Requires="p14">
       <p:transition spd="med" p14:dur="700">
         <p:fade/>
       </p:transition>
     </mc:Choice>
-    <mc:Fallback>
+    <mc:Fallback xmlns="">
       <p:transition spd="med">
         <p:fade/>
       </p:transition>
@@ -26227,7 +26227,7 @@
           <a:p>
             <a:fld id="{7547321B-89FA-F64E-9F55-0AC52D060466}" type="datetimeFigureOut">
               <a:rPr lang="en-VN" smtClean="0"/>
-              <a:t>06/29/2023</a:t>
+              <a:t>07/01/2023</a:t>
             </a:fld>
             <a:endParaRPr lang="en-VN"/>
           </a:p>
@@ -26344,13 +26344,13 @@
     <p:sldLayoutId id="2147483670" r:id="rId10"/>
     <p:sldLayoutId id="2147483671" r:id="rId11"/>
   </p:sldLayoutIdLst>
-  <mc:AlternateContent xmlns:mc="http://schemas.openxmlformats.org/markup-compatibility/2006">
-    <mc:Choice xmlns:p14="http://schemas.microsoft.com/office/powerpoint/2010/main" Requires="p14">
+  <mc:AlternateContent xmlns:mc="http://schemas.openxmlformats.org/markup-compatibility/2006" xmlns:p14="http://schemas.microsoft.com/office/powerpoint/2010/main">
+    <mc:Choice Requires="p14">
       <p:transition spd="med" p14:dur="700">
         <p:fade/>
       </p:transition>
     </mc:Choice>
-    <mc:Fallback>
+    <mc:Fallback xmlns="">
       <p:transition spd="med">
         <p:fade/>
       </p:transition>
@@ -27785,13 +27785,13 @@
   <p:clrMapOvr>
     <a:masterClrMapping/>
   </p:clrMapOvr>
-  <mc:AlternateContent xmlns:mc="http://schemas.openxmlformats.org/markup-compatibility/2006">
-    <mc:Choice xmlns:p14="http://schemas.microsoft.com/office/powerpoint/2010/main" Requires="p14">
+  <mc:AlternateContent xmlns:mc="http://schemas.openxmlformats.org/markup-compatibility/2006" xmlns:p14="http://schemas.microsoft.com/office/powerpoint/2010/main">
+    <mc:Choice Requires="p14">
       <p:transition spd="med" p14:dur="700">
         <p:fade/>
       </p:transition>
     </mc:Choice>
-    <mc:Fallback>
+    <mc:Fallback xmlns="">
       <p:transition spd="med">
         <p:fade/>
       </p:transition>
@@ -28435,13 +28435,13 @@
   <p:clrMapOvr>
     <a:masterClrMapping/>
   </p:clrMapOvr>
-  <mc:AlternateContent xmlns:mc="http://schemas.openxmlformats.org/markup-compatibility/2006">
-    <mc:Choice xmlns:p14="http://schemas.microsoft.com/office/powerpoint/2010/main" Requires="p14">
+  <mc:AlternateContent xmlns:mc="http://schemas.openxmlformats.org/markup-compatibility/2006" xmlns:p14="http://schemas.microsoft.com/office/powerpoint/2010/main">
+    <mc:Choice Requires="p14">
       <p:transition spd="med" p14:dur="700">
         <p:fade/>
       </p:transition>
     </mc:Choice>
-    <mc:Fallback>
+    <mc:Fallback xmlns="">
       <p:transition spd="med">
         <p:fade/>
       </p:transition>
@@ -28807,13 +28807,13 @@
   <p:clrMapOvr>
     <a:masterClrMapping/>
   </p:clrMapOvr>
-  <mc:AlternateContent xmlns:mc="http://schemas.openxmlformats.org/markup-compatibility/2006">
-    <mc:Choice xmlns:p14="http://schemas.microsoft.com/office/powerpoint/2010/main" Requires="p14">
+  <mc:AlternateContent xmlns:mc="http://schemas.openxmlformats.org/markup-compatibility/2006" xmlns:p14="http://schemas.microsoft.com/office/powerpoint/2010/main">
+    <mc:Choice Requires="p14">
       <p:transition spd="med" p14:dur="700">
         <p:fade/>
       </p:transition>
     </mc:Choice>
-    <mc:Fallback>
+    <mc:Fallback xmlns="">
       <p:transition spd="med">
         <p:fade/>
       </p:transition>
@@ -29171,13 +29171,13 @@
   <p:clrMapOvr>
     <a:masterClrMapping/>
   </p:clrMapOvr>
-  <mc:AlternateContent xmlns:mc="http://schemas.openxmlformats.org/markup-compatibility/2006">
-    <mc:Choice xmlns:p14="http://schemas.microsoft.com/office/powerpoint/2010/main" Requires="p14">
+  <mc:AlternateContent xmlns:mc="http://schemas.openxmlformats.org/markup-compatibility/2006" xmlns:p14="http://schemas.microsoft.com/office/powerpoint/2010/main">
+    <mc:Choice Requires="p14">
       <p:transition spd="med" p14:dur="700">
         <p:fade/>
       </p:transition>
     </mc:Choice>
-    <mc:Fallback>
+    <mc:Fallback xmlns="">
       <p:transition spd="med">
         <p:fade/>
       </p:transition>
@@ -29872,13 +29872,13 @@
   <p:clrMapOvr>
     <a:masterClrMapping/>
   </p:clrMapOvr>
-  <mc:AlternateContent xmlns:mc="http://schemas.openxmlformats.org/markup-compatibility/2006">
-    <mc:Choice xmlns:p14="http://schemas.microsoft.com/office/powerpoint/2010/main" Requires="p14">
+  <mc:AlternateContent xmlns:mc="http://schemas.openxmlformats.org/markup-compatibility/2006" xmlns:p14="http://schemas.microsoft.com/office/powerpoint/2010/main">
+    <mc:Choice Requires="p14">
       <p:transition spd="med" p14:dur="700">
         <p:fade/>
       </p:transition>
     </mc:Choice>
-    <mc:Fallback>
+    <mc:Fallback xmlns="">
       <p:transition spd="med">
         <p:fade/>
       </p:transition>
@@ -31812,13 +31812,13 @@
   <p:clrMapOvr>
     <a:masterClrMapping/>
   </p:clrMapOvr>
-  <mc:AlternateContent xmlns:mc="http://schemas.openxmlformats.org/markup-compatibility/2006">
-    <mc:Choice xmlns:p14="http://schemas.microsoft.com/office/powerpoint/2010/main" Requires="p14">
+  <mc:AlternateContent xmlns:mc="http://schemas.openxmlformats.org/markup-compatibility/2006" xmlns:p14="http://schemas.microsoft.com/office/powerpoint/2010/main">
+    <mc:Choice Requires="p14">
       <p:transition spd="med" p14:dur="700">
         <p:fade/>
       </p:transition>
     </mc:Choice>
-    <mc:Fallback>
+    <mc:Fallback xmlns="">
       <p:transition spd="med">
         <p:fade/>
       </p:transition>
@@ -31889,67 +31889,75 @@
                             </p:stCondLst>
                             <p:childTnLst>
                               <p:par>
-                                <p:cTn id="9" presetID="27" presetClass="emph" presetSubtype="0" fill="remove" grpId="0" nodeType="clickEffect">
+                                <p:cTn id="9" presetID="2" presetClass="entr" presetSubtype="4" fill="hold" grpId="0" nodeType="clickEffect">
                                   <p:stCondLst>
                                     <p:cond delay="0"/>
                                   </p:stCondLst>
                                   <p:childTnLst>
-                                    <p:animClr clrSpc="rgb" dir="cw">
-                                      <p:cBhvr override="childStyle">
-                                        <p:cTn id="10" dur="250" autoRev="1" fill="remove"/>
+                                    <p:set>
+                                      <p:cBhvr>
+                                        <p:cTn id="10" dur="1" fill="hold">
+                                          <p:stCondLst>
+                                            <p:cond delay="0"/>
+                                          </p:stCondLst>
+                                        </p:cTn>
                                         <p:tgtEl>
                                           <p:spTgt spid="5"/>
                                         </p:tgtEl>
                                         <p:attrNameLst>
-                                          <p:attrName>style.color</p:attrName>
+                                          <p:attrName>style.visibility</p:attrName>
                                         </p:attrNameLst>
                                       </p:cBhvr>
                                       <p:to>
-                                        <a:schemeClr val="bg1"/>
+                                        <p:strVal val="visible"/>
                                       </p:to>
-                                    </p:animClr>
-                                    <p:animClr clrSpc="rgb" dir="cw">
-                                      <p:cBhvr>
-                                        <p:cTn id="11" dur="250" autoRev="1" fill="remove"/>
+                                    </p:set>
+                                    <p:anim calcmode="lin" valueType="num">
+                                      <p:cBhvr additive="base">
+                                        <p:cTn id="11" dur="500" fill="hold"/>
                                         <p:tgtEl>
                                           <p:spTgt spid="5"/>
                                         </p:tgtEl>
                                         <p:attrNameLst>
-                                          <p:attrName>fillcolor</p:attrName>
+                                          <p:attrName>ppt_x</p:attrName>
                                         </p:attrNameLst>
                                       </p:cBhvr>
-                                      <p:to>
-                                        <a:schemeClr val="bg1"/>
-                                      </p:to>
-                                    </p:animClr>
-                                    <p:set>
-                                      <p:cBhvr>
-                                        <p:cTn id="12" dur="250" autoRev="1" fill="remove"/>
+                                      <p:tavLst>
+                                        <p:tav tm="0">
+                                          <p:val>
+                                            <p:strVal val="#ppt_x"/>
+                                          </p:val>
+                                        </p:tav>
+                                        <p:tav tm="100000">
+                                          <p:val>
+                                            <p:strVal val="#ppt_x"/>
+                                          </p:val>
+                                        </p:tav>
+                                      </p:tavLst>
+                                    </p:anim>
+                                    <p:anim calcmode="lin" valueType="num">
+                                      <p:cBhvr additive="base">
+                                        <p:cTn id="12" dur="500" fill="hold"/>
                                         <p:tgtEl>
                                           <p:spTgt spid="5"/>
                                         </p:tgtEl>
                                         <p:attrNameLst>
-                                          <p:attrName>fill.type</p:attrName>
+                                          <p:attrName>ppt_y</p:attrName>
                                         </p:attrNameLst>
                                       </p:cBhvr>
-                                      <p:to>
-                                        <p:strVal val="solid"/>
-                                      </p:to>
-                                    </p:set>
-                                    <p:set>
-                                      <p:cBhvr>
-                                        <p:cTn id="13" dur="250" autoRev="1" fill="remove"/>
-                                        <p:tgtEl>
-                                          <p:spTgt spid="5"/>
-                                        </p:tgtEl>
-                                        <p:attrNameLst>
-                                          <p:attrName>fill.on</p:attrName>
-                                        </p:attrNameLst>
-                                      </p:cBhvr>
-                                      <p:to>
-                                        <p:strVal val="true"/>
-                                      </p:to>
-                                    </p:set>
+                                      <p:tavLst>
+                                        <p:tav tm="0">
+                                          <p:val>
+                                            <p:strVal val="1+#ppt_h/2"/>
+                                          </p:val>
+                                        </p:tav>
+                                        <p:tav tm="100000">
+                                          <p:val>
+                                            <p:strVal val="#ppt_y"/>
+                                          </p:val>
+                                        </p:tav>
+                                      </p:tavLst>
+                                    </p:anim>
                                   </p:childTnLst>
                                 </p:cTn>
                               </p:par>
@@ -31960,19 +31968,19 @@
                     </p:cTn>
                   </p:par>
                   <p:par>
-                    <p:cTn id="14" fill="hold">
+                    <p:cTn id="13" fill="hold">
                       <p:stCondLst>
                         <p:cond delay="indefinite"/>
                       </p:stCondLst>
                       <p:childTnLst>
                         <p:par>
-                          <p:cTn id="15" fill="hold">
+                          <p:cTn id="14" fill="hold">
                             <p:stCondLst>
                               <p:cond delay="0"/>
                             </p:stCondLst>
                             <p:childTnLst>
                               <p:par>
-                                <p:cTn id="16" presetID="18" presetClass="emph" presetSubtype="0" fill="hold" grpId="0" nodeType="clickEffect">
+                                <p:cTn id="15" presetID="18" presetClass="emph" presetSubtype="0" fill="hold" grpId="0" nodeType="clickEffect">
                                   <p:stCondLst>
                                     <p:cond delay="0"/>
                                   </p:stCondLst>
@@ -31982,7 +31990,7 @@
                                   <p:childTnLst>
                                     <p:set>
                                       <p:cBhvr override="childStyle">
-                                        <p:cTn id="17" dur="500" fill="hold"/>
+                                        <p:cTn id="16" dur="500" fill="hold"/>
                                         <p:tgtEl>
                                           <p:spTgt spid="6"/>
                                         </p:tgtEl>
@@ -32004,26 +32012,26 @@
                     </p:cTn>
                   </p:par>
                   <p:par>
-                    <p:cTn id="18" fill="hold">
+                    <p:cTn id="17" fill="hold">
                       <p:stCondLst>
                         <p:cond delay="indefinite"/>
                       </p:stCondLst>
                       <p:childTnLst>
                         <p:par>
-                          <p:cTn id="19" fill="hold">
+                          <p:cTn id="18" fill="hold">
                             <p:stCondLst>
                               <p:cond delay="0"/>
                             </p:stCondLst>
                             <p:childTnLst>
                               <p:par>
-                                <p:cTn id="20" presetID="42" presetClass="entr" presetSubtype="0" fill="hold" nodeType="clickEffect">
+                                <p:cTn id="19" presetID="42" presetClass="entr" presetSubtype="0" fill="hold" nodeType="clickEffect">
                                   <p:stCondLst>
                                     <p:cond delay="0"/>
                                   </p:stCondLst>
                                   <p:childTnLst>
                                     <p:set>
                                       <p:cBhvr>
-                                        <p:cTn id="21" dur="1" fill="hold">
+                                        <p:cTn id="20" dur="1" fill="hold">
                                           <p:stCondLst>
                                             <p:cond delay="0"/>
                                           </p:stCondLst>
@@ -32041,7 +32049,7 @@
                                     </p:set>
                                     <p:animEffect transition="in" filter="fade">
                                       <p:cBhvr>
-                                        <p:cTn id="22" dur="1000"/>
+                                        <p:cTn id="21" dur="1000"/>
                                         <p:tgtEl>
                                           <p:spTgt spid="8"/>
                                         </p:tgtEl>
@@ -32049,7 +32057,7 @@
                                     </p:animEffect>
                                     <p:anim calcmode="lin" valueType="num">
                                       <p:cBhvr>
-                                        <p:cTn id="23" dur="1000" fill="hold"/>
+                                        <p:cTn id="22" dur="1000" fill="hold"/>
                                         <p:tgtEl>
                                           <p:spTgt spid="8"/>
                                         </p:tgtEl>
@@ -32072,7 +32080,7 @@
                                     </p:anim>
                                     <p:anim calcmode="lin" valueType="num">
                                       <p:cBhvr>
-                                        <p:cTn id="24" dur="1000" fill="hold"/>
+                                        <p:cTn id="23" dur="1000" fill="hold"/>
                                         <p:tgtEl>
                                           <p:spTgt spid="8"/>
                                         </p:tgtEl>
@@ -32097,14 +32105,14 @@
                                 </p:cTn>
                               </p:par>
                               <p:par>
-                                <p:cTn id="25" presetID="42" presetClass="entr" presetSubtype="0" fill="hold" grpId="0" nodeType="withEffect">
+                                <p:cTn id="24" presetID="42" presetClass="entr" presetSubtype="0" fill="hold" grpId="0" nodeType="withEffect">
                                   <p:stCondLst>
                                     <p:cond delay="0"/>
                                   </p:stCondLst>
                                   <p:childTnLst>
                                     <p:set>
                                       <p:cBhvr>
-                                        <p:cTn id="26" dur="1" fill="hold">
+                                        <p:cTn id="25" dur="1" fill="hold">
                                           <p:stCondLst>
                                             <p:cond delay="0"/>
                                           </p:stCondLst>
@@ -32122,7 +32130,7 @@
                                     </p:set>
                                     <p:animEffect transition="in" filter="fade">
                                       <p:cBhvr>
-                                        <p:cTn id="27" dur="1000"/>
+                                        <p:cTn id="26" dur="1000"/>
                                         <p:tgtEl>
                                           <p:spTgt spid="15"/>
                                         </p:tgtEl>
@@ -32130,7 +32138,7 @@
                                     </p:animEffect>
                                     <p:anim calcmode="lin" valueType="num">
                                       <p:cBhvr>
-                                        <p:cTn id="28" dur="1000" fill="hold"/>
+                                        <p:cTn id="27" dur="1000" fill="hold"/>
                                         <p:tgtEl>
                                           <p:spTgt spid="15"/>
                                         </p:tgtEl>
@@ -32153,7 +32161,7 @@
                                     </p:anim>
                                     <p:anim calcmode="lin" valueType="num">
                                       <p:cBhvr>
-                                        <p:cTn id="29" dur="1000" fill="hold"/>
+                                        <p:cTn id="28" dur="1000" fill="hold"/>
                                         <p:tgtEl>
                                           <p:spTgt spid="15"/>
                                         </p:tgtEl>
@@ -32184,26 +32192,107 @@
                     </p:cTn>
                   </p:par>
                   <p:par>
-                    <p:cTn id="30" fill="hold">
+                    <p:cTn id="29" fill="hold">
                       <p:stCondLst>
                         <p:cond delay="indefinite"/>
                       </p:stCondLst>
                       <p:childTnLst>
                         <p:par>
-                          <p:cTn id="31" fill="hold">
+                          <p:cTn id="30" fill="hold">
                             <p:stCondLst>
                               <p:cond delay="0"/>
                             </p:stCondLst>
                             <p:childTnLst>
                               <p:par>
-                                <p:cTn id="32" presetID="42" presetClass="entr" presetSubtype="0" fill="hold" nodeType="clickEffect">
+                                <p:cTn id="31" presetID="42" presetClass="entr" presetSubtype="0" fill="hold" grpId="0" nodeType="clickEffect">
                                   <p:stCondLst>
                                     <p:cond delay="0"/>
                                   </p:stCondLst>
                                   <p:childTnLst>
                                     <p:set>
                                       <p:cBhvr>
-                                        <p:cTn id="33" dur="1" fill="hold">
+                                        <p:cTn id="32" dur="1" fill="hold">
+                                          <p:stCondLst>
+                                            <p:cond delay="0"/>
+                                          </p:stCondLst>
+                                        </p:cTn>
+                                        <p:tgtEl>
+                                          <p:spTgt spid="16"/>
+                                        </p:tgtEl>
+                                        <p:attrNameLst>
+                                          <p:attrName>style.visibility</p:attrName>
+                                        </p:attrNameLst>
+                                      </p:cBhvr>
+                                      <p:to>
+                                        <p:strVal val="visible"/>
+                                      </p:to>
+                                    </p:set>
+                                    <p:animEffect transition="in" filter="fade">
+                                      <p:cBhvr>
+                                        <p:cTn id="33" dur="1000"/>
+                                        <p:tgtEl>
+                                          <p:spTgt spid="16"/>
+                                        </p:tgtEl>
+                                      </p:cBhvr>
+                                    </p:animEffect>
+                                    <p:anim calcmode="lin" valueType="num">
+                                      <p:cBhvr>
+                                        <p:cTn id="34" dur="1000" fill="hold"/>
+                                        <p:tgtEl>
+                                          <p:spTgt spid="16"/>
+                                        </p:tgtEl>
+                                        <p:attrNameLst>
+                                          <p:attrName>ppt_x</p:attrName>
+                                        </p:attrNameLst>
+                                      </p:cBhvr>
+                                      <p:tavLst>
+                                        <p:tav tm="0">
+                                          <p:val>
+                                            <p:strVal val="#ppt_x"/>
+                                          </p:val>
+                                        </p:tav>
+                                        <p:tav tm="100000">
+                                          <p:val>
+                                            <p:strVal val="#ppt_x"/>
+                                          </p:val>
+                                        </p:tav>
+                                      </p:tavLst>
+                                    </p:anim>
+                                    <p:anim calcmode="lin" valueType="num">
+                                      <p:cBhvr>
+                                        <p:cTn id="35" dur="1000" fill="hold"/>
+                                        <p:tgtEl>
+                                          <p:spTgt spid="16"/>
+                                        </p:tgtEl>
+                                        <p:attrNameLst>
+                                          <p:attrName>ppt_y</p:attrName>
+                                        </p:attrNameLst>
+                                      </p:cBhvr>
+                                      <p:tavLst>
+                                        <p:tav tm="0">
+                                          <p:val>
+                                            <p:strVal val="#ppt_y+.1"/>
+                                          </p:val>
+                                        </p:tav>
+                                        <p:tav tm="100000">
+                                          <p:val>
+                                            <p:strVal val="#ppt_y"/>
+                                          </p:val>
+                                        </p:tav>
+                                      </p:tavLst>
+                                    </p:anim>
+                                  </p:childTnLst>
+                                </p:cTn>
+                              </p:par>
+                              <p:par>
+                                <p:cTn id="36" presetID="42" presetClass="entr" presetSubtype="0" fill="hold" nodeType="withEffect">
+                                  <p:stCondLst>
+                                    <p:cond delay="0"/>
+                                  </p:stCondLst>
+                                  <p:childTnLst>
+                                    <p:set>
+                                      <p:cBhvr>
+                                        <p:cTn id="37" dur="1" fill="hold">
                                           <p:stCondLst>
                                             <p:cond delay="0"/>
                                           </p:stCondLst>
@@ -32221,7 +32310,7 @@
                                     </p:set>
                                     <p:animEffect transition="in" filter="fade">
                                       <p:cBhvr>
-                                        <p:cTn id="34" dur="1000"/>
+                                        <p:cTn id="38" dur="1000"/>
                                         <p:tgtEl>
                                           <p:spTgt spid="10"/>
                                         </p:tgtEl>
@@ -32229,7 +32318,7 @@
                                     </p:animEffect>
                                     <p:anim calcmode="lin" valueType="num">
                                       <p:cBhvr>
-                                        <p:cTn id="35" dur="1000" fill="hold"/>
+                                        <p:cTn id="39" dur="1000" fill="hold"/>
                                         <p:tgtEl>
                                           <p:spTgt spid="10"/>
                                         </p:tgtEl>
@@ -32252,90 +32341,9 @@
                                     </p:anim>
                                     <p:anim calcmode="lin" valueType="num">
                                       <p:cBhvr>
-                                        <p:cTn id="36" dur="1000" fill="hold"/>
+                                        <p:cTn id="40" dur="1000" fill="hold"/>
                                         <p:tgtEl>
                                           <p:spTgt spid="10"/>
-                                        </p:tgtEl>
-                                        <p:attrNameLst>
-                                          <p:attrName>ppt_y</p:attrName>
-                                        </p:attrNameLst>
-                                      </p:cBhvr>
-                                      <p:tavLst>
-                                        <p:tav tm="0">
-                                          <p:val>
-                                            <p:strVal val="#ppt_y+.1"/>
-                                          </p:val>
-                                        </p:tav>
-                                        <p:tav tm="100000">
-                                          <p:val>
-                                            <p:strVal val="#ppt_y"/>
-                                          </p:val>
-                                        </p:tav>
-                                      </p:tavLst>
-                                    </p:anim>
-                                  </p:childTnLst>
-                                </p:cTn>
-                              </p:par>
-                              <p:par>
-                                <p:cTn id="37" presetID="42" presetClass="entr" presetSubtype="0" fill="hold" grpId="0" nodeType="withEffect">
-                                  <p:stCondLst>
-                                    <p:cond delay="0"/>
-                                  </p:stCondLst>
-                                  <p:childTnLst>
-                                    <p:set>
-                                      <p:cBhvr>
-                                        <p:cTn id="38" dur="1" fill="hold">
-                                          <p:stCondLst>
-                                            <p:cond delay="0"/>
-                                          </p:stCondLst>
-                                        </p:cTn>
-                                        <p:tgtEl>
-                                          <p:spTgt spid="16"/>
-                                        </p:tgtEl>
-                                        <p:attrNameLst>
-                                          <p:attrName>style.visibility</p:attrName>
-                                        </p:attrNameLst>
-                                      </p:cBhvr>
-                                      <p:to>
-                                        <p:strVal val="visible"/>
-                                      </p:to>
-                                    </p:set>
-                                    <p:animEffect transition="in" filter="fade">
-                                      <p:cBhvr>
-                                        <p:cTn id="39" dur="1000"/>
-                                        <p:tgtEl>
-                                          <p:spTgt spid="16"/>
-                                        </p:tgtEl>
-                                      </p:cBhvr>
-                                    </p:animEffect>
-                                    <p:anim calcmode="lin" valueType="num">
-                                      <p:cBhvr>
-                                        <p:cTn id="40" dur="1000" fill="hold"/>
-                                        <p:tgtEl>
-                                          <p:spTgt spid="16"/>
-                                        </p:tgtEl>
-                                        <p:attrNameLst>
-                                          <p:attrName>ppt_x</p:attrName>
-                                        </p:attrNameLst>
-                                      </p:cBhvr>
-                                      <p:tavLst>
-                                        <p:tav tm="0">
-                                          <p:val>
-                                            <p:strVal val="#ppt_x"/>
-                                          </p:val>
-                                        </p:tav>
-                                        <p:tav tm="100000">
-                                          <p:val>
-                                            <p:strVal val="#ppt_x"/>
-                                          </p:val>
-                                        </p:tav>
-                                      </p:tavLst>
-                                    </p:anim>
-                                    <p:anim calcmode="lin" valueType="num">
-                                      <p:cBhvr>
-                                        <p:cTn id="41" dur="1000" fill="hold"/>
-                                        <p:tgtEl>
-                                          <p:spTgt spid="16"/>
                                         </p:tgtEl>
                                         <p:attrNameLst>
                                           <p:attrName>ppt_y</p:attrName>
@@ -32364,26 +32372,26 @@
                     </p:cTn>
                   </p:par>
                   <p:par>
-                    <p:cTn id="42" fill="hold">
+                    <p:cTn id="41" fill="hold">
                       <p:stCondLst>
                         <p:cond delay="indefinite"/>
                       </p:stCondLst>
                       <p:childTnLst>
                         <p:par>
-                          <p:cTn id="43" fill="hold">
+                          <p:cTn id="42" fill="hold">
                             <p:stCondLst>
                               <p:cond delay="0"/>
                             </p:stCondLst>
                             <p:childTnLst>
                               <p:par>
-                                <p:cTn id="44" presetID="42" presetClass="entr" presetSubtype="0" fill="hold" nodeType="clickEffect">
+                                <p:cTn id="43" presetID="42" presetClass="entr" presetSubtype="0" fill="hold" nodeType="clickEffect">
                                   <p:stCondLst>
                                     <p:cond delay="0"/>
                                   </p:stCondLst>
                                   <p:childTnLst>
                                     <p:set>
                                       <p:cBhvr>
-                                        <p:cTn id="45" dur="1" fill="hold">
+                                        <p:cTn id="44" dur="1" fill="hold">
                                           <p:stCondLst>
                                             <p:cond delay="0"/>
                                           </p:stCondLst>
@@ -32401,7 +32409,7 @@
                                     </p:set>
                                     <p:animEffect transition="in" filter="fade">
                                       <p:cBhvr>
-                                        <p:cTn id="46" dur="1000"/>
+                                        <p:cTn id="45" dur="1000"/>
                                         <p:tgtEl>
                                           <p:spTgt spid="12"/>
                                         </p:tgtEl>
@@ -32409,7 +32417,7 @@
                                     </p:animEffect>
                                     <p:anim calcmode="lin" valueType="num">
                                       <p:cBhvr>
-                                        <p:cTn id="47" dur="1000" fill="hold"/>
+                                        <p:cTn id="46" dur="1000" fill="hold"/>
                                         <p:tgtEl>
                                           <p:spTgt spid="12"/>
                                         </p:tgtEl>
@@ -32432,7 +32440,7 @@
                                     </p:anim>
                                     <p:anim calcmode="lin" valueType="num">
                                       <p:cBhvr>
-                                        <p:cTn id="48" dur="1000" fill="hold"/>
+                                        <p:cTn id="47" dur="1000" fill="hold"/>
                                         <p:tgtEl>
                                           <p:spTgt spid="12"/>
                                         </p:tgtEl>
@@ -32457,14 +32465,14 @@
                                 </p:cTn>
                               </p:par>
                               <p:par>
-                                <p:cTn id="49" presetID="42" presetClass="entr" presetSubtype="0" fill="hold" grpId="0" nodeType="withEffect">
+                                <p:cTn id="48" presetID="42" presetClass="entr" presetSubtype="0" fill="hold" grpId="0" nodeType="withEffect">
                                   <p:stCondLst>
                                     <p:cond delay="0"/>
                                   </p:stCondLst>
                                   <p:childTnLst>
                                     <p:set>
                                       <p:cBhvr>
-                                        <p:cTn id="50" dur="1" fill="hold">
+                                        <p:cTn id="49" dur="1" fill="hold">
                                           <p:stCondLst>
                                             <p:cond delay="0"/>
                                           </p:stCondLst>
@@ -32482,7 +32490,7 @@
                                     </p:set>
                                     <p:animEffect transition="in" filter="fade">
                                       <p:cBhvr>
-                                        <p:cTn id="51" dur="1000"/>
+                                        <p:cTn id="50" dur="1000"/>
                                         <p:tgtEl>
                                           <p:spTgt spid="17"/>
                                         </p:tgtEl>
@@ -32490,7 +32498,7 @@
                                     </p:animEffect>
                                     <p:anim calcmode="lin" valueType="num">
                                       <p:cBhvr>
-                                        <p:cTn id="52" dur="1000" fill="hold"/>
+                                        <p:cTn id="51" dur="1000" fill="hold"/>
                                         <p:tgtEl>
                                           <p:spTgt spid="17"/>
                                         </p:tgtEl>
@@ -32513,7 +32521,7 @@
                                     </p:anim>
                                     <p:anim calcmode="lin" valueType="num">
                                       <p:cBhvr>
-                                        <p:cTn id="53" dur="1000" fill="hold"/>
+                                        <p:cTn id="52" dur="1000" fill="hold"/>
                                         <p:tgtEl>
                                           <p:spTgt spid="17"/>
                                         </p:tgtEl>
@@ -32544,26 +32552,26 @@
                     </p:cTn>
                   </p:par>
                   <p:par>
-                    <p:cTn id="54" fill="hold">
+                    <p:cTn id="53" fill="hold">
                       <p:stCondLst>
                         <p:cond delay="indefinite"/>
                       </p:stCondLst>
                       <p:childTnLst>
                         <p:par>
-                          <p:cTn id="55" fill="hold">
+                          <p:cTn id="54" fill="hold">
                             <p:stCondLst>
                               <p:cond delay="0"/>
                             </p:stCondLst>
                             <p:childTnLst>
                               <p:par>
-                                <p:cTn id="56" presetID="42" presetClass="entr" presetSubtype="0" fill="hold" nodeType="clickEffect">
+                                <p:cTn id="55" presetID="42" presetClass="entr" presetSubtype="0" fill="hold" nodeType="clickEffect">
                                   <p:stCondLst>
                                     <p:cond delay="0"/>
                                   </p:stCondLst>
                                   <p:childTnLst>
                                     <p:set>
                                       <p:cBhvr>
-                                        <p:cTn id="57" dur="1" fill="hold">
+                                        <p:cTn id="56" dur="1" fill="hold">
                                           <p:stCondLst>
                                             <p:cond delay="0"/>
                                           </p:stCondLst>
@@ -32581,7 +32589,7 @@
                                     </p:set>
                                     <p:animEffect transition="in" filter="fade">
                                       <p:cBhvr>
-                                        <p:cTn id="58" dur="1000"/>
+                                        <p:cTn id="57" dur="1000"/>
                                         <p:tgtEl>
                                           <p:spTgt spid="14"/>
                                         </p:tgtEl>
@@ -32589,7 +32597,7 @@
                                     </p:animEffect>
                                     <p:anim calcmode="lin" valueType="num">
                                       <p:cBhvr>
-                                        <p:cTn id="59" dur="1000" fill="hold"/>
+                                        <p:cTn id="58" dur="1000" fill="hold"/>
                                         <p:tgtEl>
                                           <p:spTgt spid="14"/>
                                         </p:tgtEl>
@@ -32612,7 +32620,7 @@
                                     </p:anim>
                                     <p:anim calcmode="lin" valueType="num">
                                       <p:cBhvr>
-                                        <p:cTn id="60" dur="1000" fill="hold"/>
+                                        <p:cTn id="59" dur="1000" fill="hold"/>
                                         <p:tgtEl>
                                           <p:spTgt spid="14"/>
                                         </p:tgtEl>
@@ -32637,14 +32645,14 @@
                                 </p:cTn>
                               </p:par>
                               <p:par>
-                                <p:cTn id="61" presetID="42" presetClass="entr" presetSubtype="0" fill="hold" grpId="0" nodeType="withEffect">
+                                <p:cTn id="60" presetID="42" presetClass="entr" presetSubtype="0" fill="hold" grpId="0" nodeType="withEffect">
                                   <p:stCondLst>
                                     <p:cond delay="0"/>
                                   </p:stCondLst>
                                   <p:childTnLst>
                                     <p:set>
                                       <p:cBhvr>
-                                        <p:cTn id="62" dur="1" fill="hold">
+                                        <p:cTn id="61" dur="1" fill="hold">
                                           <p:stCondLst>
                                             <p:cond delay="0"/>
                                           </p:stCondLst>
@@ -32662,7 +32670,7 @@
                                     </p:set>
                                     <p:animEffect transition="in" filter="fade">
                                       <p:cBhvr>
-                                        <p:cTn id="63" dur="1000"/>
+                                        <p:cTn id="62" dur="1000"/>
                                         <p:tgtEl>
                                           <p:spTgt spid="18"/>
                                         </p:tgtEl>
@@ -32670,7 +32678,7 @@
                                     </p:animEffect>
                                     <p:anim calcmode="lin" valueType="num">
                                       <p:cBhvr>
-                                        <p:cTn id="64" dur="1000" fill="hold"/>
+                                        <p:cTn id="63" dur="1000" fill="hold"/>
                                         <p:tgtEl>
                                           <p:spTgt spid="18"/>
                                         </p:tgtEl>
@@ -32693,7 +32701,7 @@
                                     </p:anim>
                                     <p:anim calcmode="lin" valueType="num">
                                       <p:cBhvr>
-                                        <p:cTn id="65" dur="1000" fill="hold"/>
+                                        <p:cTn id="64" dur="1000" fill="hold"/>
                                         <p:tgtEl>
                                           <p:spTgt spid="18"/>
                                         </p:tgtEl>
@@ -32797,7 +32805,7 @@
           <a:p>
             <a:fld id="{78559A96-5B6E-4EFA-B488-5918F0D30500}" type="datetime2">
               <a:rPr lang="vi-VN" smtClean="0"/>
-              <a:t>Thứ Năm, 29 Tháng Sáu 2023</a:t>
+              <a:t>Thứ Bảy, 01 Tháng Bảy 2023</a:t>
             </a:fld>
             <a:endParaRPr lang="en-US"/>
           </a:p>
@@ -33764,13 +33772,13 @@
   <p:clrMapOvr>
     <a:masterClrMapping/>
   </p:clrMapOvr>
-  <mc:AlternateContent xmlns:mc="http://schemas.openxmlformats.org/markup-compatibility/2006">
-    <mc:Choice xmlns:p14="http://schemas.microsoft.com/office/powerpoint/2010/main" Requires="p14">
+  <mc:AlternateContent xmlns:mc="http://schemas.openxmlformats.org/markup-compatibility/2006" xmlns:p14="http://schemas.microsoft.com/office/powerpoint/2010/main">
+    <mc:Choice Requires="p14">
       <p:transition spd="med" p14:dur="700">
         <p:fade/>
       </p:transition>
     </mc:Choice>
-    <mc:Fallback>
+    <mc:Fallback xmlns="">
       <p:transition spd="med">
         <p:fade/>
       </p:transition>
@@ -34311,13 +34319,13 @@
   <p:clrMapOvr>
     <a:masterClrMapping/>
   </p:clrMapOvr>
-  <mc:AlternateContent xmlns:mc="http://schemas.openxmlformats.org/markup-compatibility/2006">
-    <mc:Choice xmlns:p14="http://schemas.microsoft.com/office/powerpoint/2010/main" Requires="p14">
+  <mc:AlternateContent xmlns:mc="http://schemas.openxmlformats.org/markup-compatibility/2006" xmlns:p14="http://schemas.microsoft.com/office/powerpoint/2010/main">
+    <mc:Choice Requires="p14">
       <p:transition spd="med" p14:dur="700">
         <p:fade/>
       </p:transition>
     </mc:Choice>
-    <mc:Fallback>
+    <mc:Fallback xmlns="">
       <p:transition spd="med">
         <p:fade/>
       </p:transition>
@@ -34649,13 +34657,13 @@
   <p:clrMapOvr>
     <a:masterClrMapping/>
   </p:clrMapOvr>
-  <mc:AlternateContent xmlns:mc="http://schemas.openxmlformats.org/markup-compatibility/2006">
-    <mc:Choice xmlns:p14="http://schemas.microsoft.com/office/powerpoint/2010/main" Requires="p14">
+  <mc:AlternateContent xmlns:mc="http://schemas.openxmlformats.org/markup-compatibility/2006" xmlns:p14="http://schemas.microsoft.com/office/powerpoint/2010/main">
+    <mc:Choice Requires="p14">
       <p:transition spd="med" p14:dur="700">
         <p:fade/>
       </p:transition>
     </mc:Choice>
-    <mc:Fallback>
+    <mc:Fallback xmlns="">
       <p:transition spd="med">
         <p:fade/>
       </p:transition>
@@ -35636,13 +35644,13 @@
   <p:clrMapOvr>
     <a:masterClrMapping/>
   </p:clrMapOvr>
-  <mc:AlternateContent xmlns:mc="http://schemas.openxmlformats.org/markup-compatibility/2006">
-    <mc:Choice xmlns:p14="http://schemas.microsoft.com/office/powerpoint/2010/main" Requires="p14">
+  <mc:AlternateContent xmlns:mc="http://schemas.openxmlformats.org/markup-compatibility/2006" xmlns:p14="http://schemas.microsoft.com/office/powerpoint/2010/main">
+    <mc:Choice Requires="p14">
       <p:transition spd="med" p14:dur="700">
         <p:fade/>
       </p:transition>
     </mc:Choice>
-    <mc:Fallback>
+    <mc:Fallback xmlns="">
       <p:transition spd="med">
         <p:fade/>
       </p:transition>
@@ -36289,13 +36297,13 @@
   <p:clrMapOvr>
     <a:masterClrMapping/>
   </p:clrMapOvr>
-  <mc:AlternateContent xmlns:mc="http://schemas.openxmlformats.org/markup-compatibility/2006">
-    <mc:Choice xmlns:p14="http://schemas.microsoft.com/office/powerpoint/2010/main" Requires="p14">
+  <mc:AlternateContent xmlns:mc="http://schemas.openxmlformats.org/markup-compatibility/2006" xmlns:p14="http://schemas.microsoft.com/office/powerpoint/2010/main">
+    <mc:Choice Requires="p14">
       <p:transition spd="med" p14:dur="700">
         <p:fade/>
       </p:transition>
     </mc:Choice>
-    <mc:Fallback>
+    <mc:Fallback xmlns="">
       <p:transition spd="med">
         <p:fade/>
       </p:transition>
@@ -36462,7 +36470,7 @@
         <p:spPr>
           <a:xfrm>
             <a:off x="963561" y="1376516"/>
-            <a:ext cx="4247536" cy="4016484"/>
+            <a:ext cx="4247536" cy="3600986"/>
           </a:xfrm>
           <a:prstGeom prst="rect">
             <a:avLst/>
@@ -36640,86 +36648,6 @@
                 <a:latin typeface="Times New Roman" panose="02020603050405020304" pitchFamily="18" charset="0"/>
                 <a:ea typeface="Times New Roman" panose="02020603050405020304" pitchFamily="18" charset="0"/>
               </a:rPr>
-              <a:t>ra</a:t>
-            </a:r>
-            <a:r>
-              <a:rPr lang="en-US" sz="1800" dirty="0">
-                <a:effectLst/>
-                <a:latin typeface="Times New Roman" panose="02020603050405020304" pitchFamily="18" charset="0"/>
-                <a:ea typeface="Times New Roman" panose="02020603050405020304" pitchFamily="18" charset="0"/>
-              </a:rPr>
-              <a:t> </a:t>
-            </a:r>
-            <a:r>
-              <a:rPr lang="en-US" sz="1800" dirty="0" err="1">
-                <a:effectLst/>
-                <a:latin typeface="Times New Roman" panose="02020603050405020304" pitchFamily="18" charset="0"/>
-                <a:ea typeface="Times New Roman" panose="02020603050405020304" pitchFamily="18" charset="0"/>
-              </a:rPr>
-              <a:t>nội</a:t>
-            </a:r>
-            <a:r>
-              <a:rPr lang="en-US" sz="1800" dirty="0">
-                <a:effectLst/>
-                <a:latin typeface="Times New Roman" panose="02020603050405020304" pitchFamily="18" charset="0"/>
-                <a:ea typeface="Times New Roman" panose="02020603050405020304" pitchFamily="18" charset="0"/>
-              </a:rPr>
-              <a:t> dung </a:t>
-            </a:r>
-            <a:r>
-              <a:rPr lang="en-US" sz="1800" dirty="0" err="1">
-                <a:effectLst/>
-                <a:latin typeface="Times New Roman" panose="02020603050405020304" pitchFamily="18" charset="0"/>
-                <a:ea typeface="Times New Roman" panose="02020603050405020304" pitchFamily="18" charset="0"/>
-              </a:rPr>
-              <a:t>gần</a:t>
-            </a:r>
-            <a:r>
-              <a:rPr lang="en-US" sz="1800" dirty="0">
-                <a:effectLst/>
-                <a:latin typeface="Times New Roman" panose="02020603050405020304" pitchFamily="18" charset="0"/>
-                <a:ea typeface="Times New Roman" panose="02020603050405020304" pitchFamily="18" charset="0"/>
-              </a:rPr>
-              <a:t> </a:t>
-            </a:r>
-            <a:r>
-              <a:rPr lang="en-US" sz="1800" dirty="0" err="1">
-                <a:effectLst/>
-                <a:latin typeface="Times New Roman" panose="02020603050405020304" pitchFamily="18" charset="0"/>
-                <a:ea typeface="Times New Roman" panose="02020603050405020304" pitchFamily="18" charset="0"/>
-              </a:rPr>
-              <a:t>giống</a:t>
-            </a:r>
-            <a:r>
-              <a:rPr lang="en-US" sz="1800" dirty="0">
-                <a:effectLst/>
-                <a:latin typeface="Times New Roman" panose="02020603050405020304" pitchFamily="18" charset="0"/>
-                <a:ea typeface="Times New Roman" panose="02020603050405020304" pitchFamily="18" charset="0"/>
-              </a:rPr>
-              <a:t>, </a:t>
-            </a:r>
-            <a:r>
-              <a:rPr lang="en-US" sz="1800" dirty="0" err="1">
-                <a:effectLst/>
-                <a:latin typeface="Times New Roman" panose="02020603050405020304" pitchFamily="18" charset="0"/>
-                <a:ea typeface="Times New Roman" panose="02020603050405020304" pitchFamily="18" charset="0"/>
-              </a:rPr>
-              <a:t>gợi</a:t>
-            </a:r>
-            <a:r>
-              <a:rPr lang="en-US" sz="1800" dirty="0">
-                <a:effectLst/>
-                <a:latin typeface="Times New Roman" panose="02020603050405020304" pitchFamily="18" charset="0"/>
-                <a:ea typeface="Times New Roman" panose="02020603050405020304" pitchFamily="18" charset="0"/>
-              </a:rPr>
-              <a:t> ý </a:t>
-            </a:r>
-            <a:r>
-              <a:rPr lang="en-US" sz="1800" dirty="0" err="1">
-                <a:effectLst/>
-                <a:latin typeface="Times New Roman" panose="02020603050405020304" pitchFamily="18" charset="0"/>
-                <a:ea typeface="Times New Roman" panose="02020603050405020304" pitchFamily="18" charset="0"/>
-              </a:rPr>
               <a:t>chính</a:t>
             </a:r>
             <a:r>
@@ -36919,149 +36847,6 @@
                 <a:latin typeface="Times New Roman" panose="02020603050405020304" pitchFamily="18" charset="0"/>
                 <a:ea typeface="Times New Roman" panose="02020603050405020304" pitchFamily="18" charset="0"/>
               </a:rPr>
-              <a:t>: </a:t>
-            </a:r>
-            <a:r>
-              <a:rPr lang="en-US" sz="1800" dirty="0" err="1">
-                <a:effectLst/>
-                <a:latin typeface="Times New Roman" panose="02020603050405020304" pitchFamily="18" charset="0"/>
-                <a:ea typeface="Times New Roman" panose="02020603050405020304" pitchFamily="18" charset="0"/>
-              </a:rPr>
-              <a:t>không</a:t>
-            </a:r>
-            <a:r>
-              <a:rPr lang="en-US" sz="1800" dirty="0">
-                <a:effectLst/>
-                <a:latin typeface="Times New Roman" panose="02020603050405020304" pitchFamily="18" charset="0"/>
-                <a:ea typeface="Times New Roman" panose="02020603050405020304" pitchFamily="18" charset="0"/>
-              </a:rPr>
-              <a:t> </a:t>
-            </a:r>
-            <a:r>
-              <a:rPr lang="en-US" sz="1800" dirty="0" err="1">
-                <a:effectLst/>
-                <a:latin typeface="Times New Roman" panose="02020603050405020304" pitchFamily="18" charset="0"/>
-                <a:ea typeface="Times New Roman" panose="02020603050405020304" pitchFamily="18" charset="0"/>
-              </a:rPr>
-              <a:t>phụ</a:t>
-            </a:r>
-            <a:r>
-              <a:rPr lang="en-US" sz="1800" dirty="0">
-                <a:effectLst/>
-                <a:latin typeface="Times New Roman" panose="02020603050405020304" pitchFamily="18" charset="0"/>
-                <a:ea typeface="Times New Roman" panose="02020603050405020304" pitchFamily="18" charset="0"/>
-              </a:rPr>
-              <a:t> </a:t>
-            </a:r>
-            <a:r>
-              <a:rPr lang="en-US" sz="1800" dirty="0" err="1">
-                <a:effectLst/>
-                <a:latin typeface="Times New Roman" panose="02020603050405020304" pitchFamily="18" charset="0"/>
-                <a:ea typeface="Times New Roman" panose="02020603050405020304" pitchFamily="18" charset="0"/>
-              </a:rPr>
-              <a:t>thuộc</a:t>
-            </a:r>
-            <a:r>
-              <a:rPr lang="en-US" sz="1800" dirty="0">
-                <a:effectLst/>
-                <a:latin typeface="Times New Roman" panose="02020603050405020304" pitchFamily="18" charset="0"/>
-                <a:ea typeface="Times New Roman" panose="02020603050405020304" pitchFamily="18" charset="0"/>
-              </a:rPr>
-              <a:t> </a:t>
-            </a:r>
-            <a:r>
-              <a:rPr lang="en-US" sz="1800" dirty="0" err="1">
-                <a:effectLst/>
-                <a:latin typeface="Times New Roman" panose="02020603050405020304" pitchFamily="18" charset="0"/>
-                <a:ea typeface="Times New Roman" panose="02020603050405020304" pitchFamily="18" charset="0"/>
-              </a:rPr>
-              <a:t>vào</a:t>
-            </a:r>
-            <a:r>
-              <a:rPr lang="en-US" sz="1800" dirty="0">
-                <a:effectLst/>
-                <a:latin typeface="Times New Roman" panose="02020603050405020304" pitchFamily="18" charset="0"/>
-                <a:ea typeface="Times New Roman" panose="02020603050405020304" pitchFamily="18" charset="0"/>
-              </a:rPr>
-              <a:t> </a:t>
-            </a:r>
-            <a:r>
-              <a:rPr lang="en-US" sz="1800" dirty="0" err="1">
-                <a:effectLst/>
-                <a:latin typeface="Times New Roman" panose="02020603050405020304" pitchFamily="18" charset="0"/>
-                <a:ea typeface="Times New Roman" panose="02020603050405020304" pitchFamily="18" charset="0"/>
-              </a:rPr>
-              <a:t>đánh</a:t>
-            </a:r>
-            <a:r>
-              <a:rPr lang="en-US" sz="1800" dirty="0">
-                <a:effectLst/>
-                <a:latin typeface="Times New Roman" panose="02020603050405020304" pitchFamily="18" charset="0"/>
-                <a:ea typeface="Times New Roman" panose="02020603050405020304" pitchFamily="18" charset="0"/>
-              </a:rPr>
-              <a:t> </a:t>
-            </a:r>
-            <a:r>
-              <a:rPr lang="en-US" sz="1800" dirty="0" err="1">
-                <a:effectLst/>
-                <a:latin typeface="Times New Roman" panose="02020603050405020304" pitchFamily="18" charset="0"/>
-                <a:ea typeface="Times New Roman" panose="02020603050405020304" pitchFamily="18" charset="0"/>
-              </a:rPr>
-              <a:t>giá</a:t>
-            </a:r>
-            <a:r>
-              <a:rPr lang="en-US" sz="1800" dirty="0">
-                <a:effectLst/>
-                <a:latin typeface="Times New Roman" panose="02020603050405020304" pitchFamily="18" charset="0"/>
-                <a:ea typeface="Times New Roman" panose="02020603050405020304" pitchFamily="18" charset="0"/>
-              </a:rPr>
-              <a:t> </a:t>
-            </a:r>
-            <a:r>
-              <a:rPr lang="en-US" sz="1800" dirty="0" err="1">
-                <a:effectLst/>
-                <a:latin typeface="Times New Roman" panose="02020603050405020304" pitchFamily="18" charset="0"/>
-                <a:ea typeface="Times New Roman" panose="02020603050405020304" pitchFamily="18" charset="0"/>
-              </a:rPr>
-              <a:t>của</a:t>
-            </a:r>
-            <a:r>
-              <a:rPr lang="en-US" sz="1800" dirty="0">
-                <a:effectLst/>
-                <a:latin typeface="Times New Roman" panose="02020603050405020304" pitchFamily="18" charset="0"/>
-                <a:ea typeface="Times New Roman" panose="02020603050405020304" pitchFamily="18" charset="0"/>
-              </a:rPr>
-              <a:t> </a:t>
-            </a:r>
-            <a:r>
-              <a:rPr lang="en-US" sz="1800" dirty="0" err="1">
-                <a:effectLst/>
-                <a:latin typeface="Times New Roman" panose="02020603050405020304" pitchFamily="18" charset="0"/>
-                <a:ea typeface="Times New Roman" panose="02020603050405020304" pitchFamily="18" charset="0"/>
-              </a:rPr>
-              <a:t>người</a:t>
-            </a:r>
-            <a:r>
-              <a:rPr lang="en-US" sz="1800" dirty="0">
-                <a:effectLst/>
-                <a:latin typeface="Times New Roman" panose="02020603050405020304" pitchFamily="18" charset="0"/>
-                <a:ea typeface="Times New Roman" panose="02020603050405020304" pitchFamily="18" charset="0"/>
-              </a:rPr>
-              <a:t> </a:t>
-            </a:r>
-            <a:r>
-              <a:rPr lang="en-US" sz="1800" dirty="0" err="1">
-                <a:effectLst/>
-                <a:latin typeface="Times New Roman" panose="02020603050405020304" pitchFamily="18" charset="0"/>
-                <a:ea typeface="Times New Roman" panose="02020603050405020304" pitchFamily="18" charset="0"/>
-              </a:rPr>
-              <a:t>dùng</a:t>
-            </a:r>
-            <a:r>
-              <a:rPr lang="en-US" dirty="0">
-                <a:latin typeface="Times New Roman" panose="02020603050405020304" pitchFamily="18" charset="0"/>
-                <a:ea typeface="Times New Roman" panose="02020603050405020304" pitchFamily="18" charset="0"/>
-              </a:rPr>
               <a:t>.</a:t>
             </a:r>
           </a:p>
@@ -37181,38 +36966,6 @@
                 <a:ea typeface="Times New Roman" panose="02020603050405020304" pitchFamily="18" charset="0"/>
               </a:rPr>
               <a:t> ý </a:t>
-            </a:r>
-            <a:r>
-              <a:rPr lang="en-US" sz="1800" dirty="0" err="1">
-                <a:effectLst/>
-                <a:latin typeface="Times New Roman" panose="02020603050405020304" pitchFamily="18" charset="0"/>
-                <a:ea typeface="Times New Roman" panose="02020603050405020304" pitchFamily="18" charset="0"/>
-              </a:rPr>
-              <a:t>sản</a:t>
-            </a:r>
-            <a:r>
-              <a:rPr lang="en-US" sz="1800" dirty="0">
-                <a:effectLst/>
-                <a:latin typeface="Times New Roman" panose="02020603050405020304" pitchFamily="18" charset="0"/>
-                <a:ea typeface="Times New Roman" panose="02020603050405020304" pitchFamily="18" charset="0"/>
-              </a:rPr>
-              <a:t> </a:t>
-            </a:r>
-            <a:r>
-              <a:rPr lang="en-US" sz="1800" dirty="0" err="1">
-                <a:effectLst/>
-                <a:latin typeface="Times New Roman" panose="02020603050405020304" pitchFamily="18" charset="0"/>
-                <a:ea typeface="Times New Roman" panose="02020603050405020304" pitchFamily="18" charset="0"/>
-              </a:rPr>
-              <a:t>phẩm</a:t>
-            </a:r>
-            <a:r>
-              <a:rPr lang="en-US" sz="1800" dirty="0">
-                <a:effectLst/>
-                <a:latin typeface="Times New Roman" panose="02020603050405020304" pitchFamily="18" charset="0"/>
-                <a:ea typeface="Times New Roman" panose="02020603050405020304" pitchFamily="18" charset="0"/>
-              </a:rPr>
-              <a:t> </a:t>
             </a:r>
             <a:r>
               <a:rPr lang="en-US" sz="1800" dirty="0" err="1">
@@ -37343,7 +37096,7 @@
         <p:spPr>
           <a:xfrm>
             <a:off x="6253316" y="1391264"/>
-            <a:ext cx="5368413" cy="4708981"/>
+            <a:ext cx="5368413" cy="3185487"/>
           </a:xfrm>
           <a:prstGeom prst="rect">
             <a:avLst/>
@@ -37540,172 +37293,11 @@
               <a:t>mới</a:t>
             </a:r>
             <a:r>
-              <a:rPr lang="en-US" sz="1800" dirty="0">
-                <a:effectLst/>
+              <a:rPr lang="en-US" dirty="0">
                 <a:latin typeface="Times New Roman" panose="02020603050405020304" pitchFamily="18" charset="0"/>
                 <a:ea typeface="Times New Roman" panose="02020603050405020304" pitchFamily="18" charset="0"/>
               </a:rPr>
-              <a:t>: </a:t>
-            </a:r>
-            <a:r>
-              <a:rPr lang="en-US" sz="1800" dirty="0" err="1">
-                <a:effectLst/>
-                <a:latin typeface="Times New Roman" panose="02020603050405020304" pitchFamily="18" charset="0"/>
-                <a:ea typeface="Times New Roman" panose="02020603050405020304" pitchFamily="18" charset="0"/>
-              </a:rPr>
-              <a:t>không</a:t>
-            </a:r>
-            <a:r>
-              <a:rPr lang="en-US" sz="1800" dirty="0">
-                <a:effectLst/>
-                <a:latin typeface="Times New Roman" panose="02020603050405020304" pitchFamily="18" charset="0"/>
-                <a:ea typeface="Times New Roman" panose="02020603050405020304" pitchFamily="18" charset="0"/>
-              </a:rPr>
-              <a:t> </a:t>
-            </a:r>
-            <a:r>
-              <a:rPr lang="en-US" sz="1800" dirty="0" err="1">
-                <a:effectLst/>
-                <a:latin typeface="Times New Roman" panose="02020603050405020304" pitchFamily="18" charset="0"/>
-                <a:ea typeface="Times New Roman" panose="02020603050405020304" pitchFamily="18" charset="0"/>
-              </a:rPr>
-              <a:t>thể</a:t>
-            </a:r>
-            <a:r>
-              <a:rPr lang="en-US" sz="1800" dirty="0">
-                <a:effectLst/>
-                <a:latin typeface="Times New Roman" panose="02020603050405020304" pitchFamily="18" charset="0"/>
-                <a:ea typeface="Times New Roman" panose="02020603050405020304" pitchFamily="18" charset="0"/>
-              </a:rPr>
-              <a:t> </a:t>
-            </a:r>
-            <a:r>
-              <a:rPr lang="en-US" sz="1800" dirty="0" err="1">
-                <a:effectLst/>
-                <a:latin typeface="Times New Roman" panose="02020603050405020304" pitchFamily="18" charset="0"/>
-                <a:ea typeface="Times New Roman" panose="02020603050405020304" pitchFamily="18" charset="0"/>
-              </a:rPr>
-              <a:t>đưa</a:t>
-            </a:r>
-            <a:r>
-              <a:rPr lang="en-US" sz="1800" dirty="0">
-                <a:effectLst/>
-                <a:latin typeface="Times New Roman" panose="02020603050405020304" pitchFamily="18" charset="0"/>
-                <a:ea typeface="Times New Roman" panose="02020603050405020304" pitchFamily="18" charset="0"/>
-              </a:rPr>
-              <a:t> </a:t>
-            </a:r>
-            <a:r>
-              <a:rPr lang="en-US" sz="1800" dirty="0" err="1">
-                <a:effectLst/>
-                <a:latin typeface="Times New Roman" panose="02020603050405020304" pitchFamily="18" charset="0"/>
-                <a:ea typeface="Times New Roman" panose="02020603050405020304" pitchFamily="18" charset="0"/>
-              </a:rPr>
-              <a:t>ra</a:t>
-            </a:r>
-            <a:r>
-              <a:rPr lang="en-US" sz="1800" dirty="0">
-                <a:effectLst/>
-                <a:latin typeface="Times New Roman" panose="02020603050405020304" pitchFamily="18" charset="0"/>
-                <a:ea typeface="Times New Roman" panose="02020603050405020304" pitchFamily="18" charset="0"/>
-              </a:rPr>
-              <a:t> </a:t>
-            </a:r>
-            <a:r>
-              <a:rPr lang="en-US" sz="1800" dirty="0" err="1">
-                <a:effectLst/>
-                <a:latin typeface="Times New Roman" panose="02020603050405020304" pitchFamily="18" charset="0"/>
-                <a:ea typeface="Times New Roman" panose="02020603050405020304" pitchFamily="18" charset="0"/>
-              </a:rPr>
-              <a:t>gợi</a:t>
-            </a:r>
-            <a:r>
-              <a:rPr lang="en-US" sz="1800" dirty="0">
-                <a:effectLst/>
-                <a:latin typeface="Times New Roman" panose="02020603050405020304" pitchFamily="18" charset="0"/>
-                <a:ea typeface="Times New Roman" panose="02020603050405020304" pitchFamily="18" charset="0"/>
-              </a:rPr>
-              <a:t> ý </a:t>
-            </a:r>
-            <a:r>
-              <a:rPr lang="en-US" sz="1800" dirty="0" err="1">
-                <a:effectLst/>
-                <a:latin typeface="Times New Roman" panose="02020603050405020304" pitchFamily="18" charset="0"/>
-                <a:ea typeface="Times New Roman" panose="02020603050405020304" pitchFamily="18" charset="0"/>
-              </a:rPr>
-              <a:t>trải</a:t>
-            </a:r>
-            <a:r>
-              <a:rPr lang="en-US" sz="1800" dirty="0">
-                <a:effectLst/>
-                <a:latin typeface="Times New Roman" panose="02020603050405020304" pitchFamily="18" charset="0"/>
-                <a:ea typeface="Times New Roman" panose="02020603050405020304" pitchFamily="18" charset="0"/>
-              </a:rPr>
-              <a:t> </a:t>
-            </a:r>
-            <a:r>
-              <a:rPr lang="en-US" sz="1800" dirty="0" err="1">
-                <a:effectLst/>
-                <a:latin typeface="Times New Roman" panose="02020603050405020304" pitchFamily="18" charset="0"/>
-                <a:ea typeface="Times New Roman" panose="02020603050405020304" pitchFamily="18" charset="0"/>
-              </a:rPr>
-              <a:t>nghiệm</a:t>
-            </a:r>
-            <a:r>
-              <a:rPr lang="en-US" sz="1800" dirty="0">
-                <a:effectLst/>
-                <a:latin typeface="Times New Roman" panose="02020603050405020304" pitchFamily="18" charset="0"/>
-                <a:ea typeface="Times New Roman" panose="02020603050405020304" pitchFamily="18" charset="0"/>
-              </a:rPr>
-              <a:t> </a:t>
-            </a:r>
-            <a:r>
-              <a:rPr lang="en-US" sz="1800" dirty="0" err="1">
-                <a:effectLst/>
-                <a:latin typeface="Times New Roman" panose="02020603050405020304" pitchFamily="18" charset="0"/>
-                <a:ea typeface="Times New Roman" panose="02020603050405020304" pitchFamily="18" charset="0"/>
-              </a:rPr>
-              <a:t>sản</a:t>
-            </a:r>
-            <a:r>
-              <a:rPr lang="en-US" sz="1800" dirty="0">
-                <a:effectLst/>
-                <a:latin typeface="Times New Roman" panose="02020603050405020304" pitchFamily="18" charset="0"/>
-                <a:ea typeface="Times New Roman" panose="02020603050405020304" pitchFamily="18" charset="0"/>
-              </a:rPr>
-              <a:t> </a:t>
-            </a:r>
-            <a:r>
-              <a:rPr lang="en-US" sz="1800" dirty="0" err="1">
-                <a:effectLst/>
-                <a:latin typeface="Times New Roman" panose="02020603050405020304" pitchFamily="18" charset="0"/>
-                <a:ea typeface="Times New Roman" panose="02020603050405020304" pitchFamily="18" charset="0"/>
-              </a:rPr>
-              <a:t>phẩm</a:t>
-            </a:r>
-            <a:r>
-              <a:rPr lang="en-US" sz="1800" dirty="0">
-                <a:effectLst/>
-                <a:latin typeface="Times New Roman" panose="02020603050405020304" pitchFamily="18" charset="0"/>
-                <a:ea typeface="Times New Roman" panose="02020603050405020304" pitchFamily="18" charset="0"/>
-              </a:rPr>
-              <a:t> </a:t>
-            </a:r>
-            <a:r>
-              <a:rPr lang="en-US" sz="1800" dirty="0" err="1">
-                <a:effectLst/>
-                <a:latin typeface="Times New Roman" panose="02020603050405020304" pitchFamily="18" charset="0"/>
-                <a:ea typeface="Times New Roman" panose="02020603050405020304" pitchFamily="18" charset="0"/>
-              </a:rPr>
-              <a:t>mới</a:t>
-            </a:r>
-            <a:r>
-              <a:rPr lang="en-US" sz="1800" dirty="0">
-                <a:effectLst/>
-                <a:latin typeface="Times New Roman" panose="02020603050405020304" pitchFamily="18" charset="0"/>
-                <a:ea typeface="Times New Roman" panose="02020603050405020304" pitchFamily="18" charset="0"/>
-              </a:rPr>
-              <a:t> </a:t>
+              <a:t>.</a:t>
             </a:r>
           </a:p>
           <a:p>
@@ -38231,218 +37823,8 @@
                 <a:latin typeface="Times New Roman" panose="02020603050405020304" pitchFamily="18" charset="0"/>
                 <a:ea typeface="Times New Roman" panose="02020603050405020304" pitchFamily="18" charset="0"/>
               </a:rPr>
-              <a:t>: </a:t>
-            </a:r>
-            <a:r>
-              <a:rPr lang="en-US" sz="1800" dirty="0" err="1">
-                <a:effectLst/>
-                <a:latin typeface="Times New Roman" panose="02020603050405020304" pitchFamily="18" charset="0"/>
-                <a:ea typeface="Times New Roman" panose="02020603050405020304" pitchFamily="18" charset="0"/>
-              </a:rPr>
-              <a:t>khó</a:t>
-            </a:r>
-            <a:r>
-              <a:rPr lang="en-US" sz="1800" dirty="0">
-                <a:effectLst/>
-                <a:latin typeface="Times New Roman" panose="02020603050405020304" pitchFamily="18" charset="0"/>
-                <a:ea typeface="Times New Roman" panose="02020603050405020304" pitchFamily="18" charset="0"/>
-              </a:rPr>
-              <a:t> </a:t>
-            </a:r>
-            <a:r>
-              <a:rPr lang="en-US" sz="1800" dirty="0" err="1">
-                <a:effectLst/>
-                <a:latin typeface="Times New Roman" panose="02020603050405020304" pitchFamily="18" charset="0"/>
-                <a:ea typeface="Times New Roman" panose="02020603050405020304" pitchFamily="18" charset="0"/>
-              </a:rPr>
-              <a:t>khăn</a:t>
-            </a:r>
-            <a:r>
-              <a:rPr lang="en-US" sz="1800" dirty="0">
-                <a:effectLst/>
-                <a:latin typeface="Times New Roman" panose="02020603050405020304" pitchFamily="18" charset="0"/>
-                <a:ea typeface="Times New Roman" panose="02020603050405020304" pitchFamily="18" charset="0"/>
-              </a:rPr>
-              <a:t> </a:t>
-            </a:r>
-            <a:r>
-              <a:rPr lang="en-US" sz="1800" dirty="0" err="1">
-                <a:effectLst/>
-                <a:latin typeface="Times New Roman" panose="02020603050405020304" pitchFamily="18" charset="0"/>
-                <a:ea typeface="Times New Roman" panose="02020603050405020304" pitchFamily="18" charset="0"/>
-              </a:rPr>
-              <a:t>và</a:t>
-            </a:r>
-            <a:r>
-              <a:rPr lang="en-US" sz="1800" dirty="0">
-                <a:effectLst/>
-                <a:latin typeface="Times New Roman" panose="02020603050405020304" pitchFamily="18" charset="0"/>
-                <a:ea typeface="Times New Roman" panose="02020603050405020304" pitchFamily="18" charset="0"/>
-              </a:rPr>
-              <a:t> </a:t>
-            </a:r>
-            <a:r>
-              <a:rPr lang="en-US" sz="1800" dirty="0" err="1">
-                <a:effectLst/>
-                <a:latin typeface="Times New Roman" panose="02020603050405020304" pitchFamily="18" charset="0"/>
-                <a:ea typeface="Times New Roman" panose="02020603050405020304" pitchFamily="18" charset="0"/>
-              </a:rPr>
-              <a:t>đòi</a:t>
-            </a:r>
-            <a:r>
-              <a:rPr lang="en-US" sz="1800" dirty="0">
-                <a:effectLst/>
-                <a:latin typeface="Times New Roman" panose="02020603050405020304" pitchFamily="18" charset="0"/>
-                <a:ea typeface="Times New Roman" panose="02020603050405020304" pitchFamily="18" charset="0"/>
-              </a:rPr>
-              <a:t> </a:t>
-            </a:r>
-            <a:r>
-              <a:rPr lang="en-US" sz="1800" dirty="0" err="1">
-                <a:effectLst/>
-                <a:latin typeface="Times New Roman" panose="02020603050405020304" pitchFamily="18" charset="0"/>
-                <a:ea typeface="Times New Roman" panose="02020603050405020304" pitchFamily="18" charset="0"/>
-              </a:rPr>
-              <a:t>hỏi</a:t>
-            </a:r>
-            <a:r>
-              <a:rPr lang="en-US" sz="1800" dirty="0">
-                <a:effectLst/>
-                <a:latin typeface="Times New Roman" panose="02020603050405020304" pitchFamily="18" charset="0"/>
-                <a:ea typeface="Times New Roman" panose="02020603050405020304" pitchFamily="18" charset="0"/>
-              </a:rPr>
-              <a:t> chi </a:t>
-            </a:r>
-            <a:r>
-              <a:rPr lang="en-US" sz="1800" dirty="0" err="1">
-                <a:effectLst/>
-                <a:latin typeface="Times New Roman" panose="02020603050405020304" pitchFamily="18" charset="0"/>
-                <a:ea typeface="Times New Roman" panose="02020603050405020304" pitchFamily="18" charset="0"/>
-              </a:rPr>
-              <a:t>phí</a:t>
-            </a:r>
-            <a:r>
-              <a:rPr lang="en-US" sz="1800" dirty="0">
-                <a:effectLst/>
-                <a:latin typeface="Times New Roman" panose="02020603050405020304" pitchFamily="18" charset="0"/>
-                <a:ea typeface="Times New Roman" panose="02020603050405020304" pitchFamily="18" charset="0"/>
-              </a:rPr>
-              <a:t> </a:t>
-            </a:r>
-            <a:r>
-              <a:rPr lang="en-US" sz="1800" dirty="0" err="1">
-                <a:effectLst/>
-                <a:latin typeface="Times New Roman" panose="02020603050405020304" pitchFamily="18" charset="0"/>
-                <a:ea typeface="Times New Roman" panose="02020603050405020304" pitchFamily="18" charset="0"/>
-              </a:rPr>
-              <a:t>cho</a:t>
-            </a:r>
-            <a:r>
-              <a:rPr lang="en-US" sz="1800" dirty="0">
-                <a:effectLst/>
-                <a:latin typeface="Times New Roman" panose="02020603050405020304" pitchFamily="18" charset="0"/>
-                <a:ea typeface="Times New Roman" panose="02020603050405020304" pitchFamily="18" charset="0"/>
-              </a:rPr>
-              <a:t> </a:t>
-            </a:r>
-            <a:r>
-              <a:rPr lang="en-US" sz="1800" dirty="0" err="1">
-                <a:effectLst/>
-                <a:latin typeface="Times New Roman" panose="02020603050405020304" pitchFamily="18" charset="0"/>
-                <a:ea typeface="Times New Roman" panose="02020603050405020304" pitchFamily="18" charset="0"/>
-              </a:rPr>
-              <a:t>việc</a:t>
-            </a:r>
-            <a:r>
-              <a:rPr lang="en-US" sz="1800" dirty="0">
-                <a:effectLst/>
-                <a:latin typeface="Times New Roman" panose="02020603050405020304" pitchFamily="18" charset="0"/>
-                <a:ea typeface="Times New Roman" panose="02020603050405020304" pitchFamily="18" charset="0"/>
-              </a:rPr>
-              <a:t> </a:t>
-            </a:r>
-            <a:r>
-              <a:rPr lang="en-US" sz="1800" dirty="0" err="1">
-                <a:effectLst/>
-                <a:latin typeface="Times New Roman" panose="02020603050405020304" pitchFamily="18" charset="0"/>
-                <a:ea typeface="Times New Roman" panose="02020603050405020304" pitchFamily="18" charset="0"/>
-              </a:rPr>
-              <a:t>hoàn</a:t>
-            </a:r>
-            <a:r>
-              <a:rPr lang="en-US" sz="1800" dirty="0">
-                <a:effectLst/>
-                <a:latin typeface="Times New Roman" panose="02020603050405020304" pitchFamily="18" charset="0"/>
-                <a:ea typeface="Times New Roman" panose="02020603050405020304" pitchFamily="18" charset="0"/>
-              </a:rPr>
-              <a:t> </a:t>
-            </a:r>
-            <a:r>
-              <a:rPr lang="en-US" sz="1800" dirty="0" err="1">
-                <a:effectLst/>
-                <a:latin typeface="Times New Roman" panose="02020603050405020304" pitchFamily="18" charset="0"/>
-                <a:ea typeface="Times New Roman" panose="02020603050405020304" pitchFamily="18" charset="0"/>
-              </a:rPr>
-              <a:t>thành</a:t>
-            </a:r>
-            <a:r>
-              <a:rPr lang="en-US" sz="1800" dirty="0">
-                <a:effectLst/>
-                <a:latin typeface="Times New Roman" panose="02020603050405020304" pitchFamily="18" charset="0"/>
-                <a:ea typeface="Times New Roman" panose="02020603050405020304" pitchFamily="18" charset="0"/>
-              </a:rPr>
-              <a:t> </a:t>
-            </a:r>
-            <a:r>
-              <a:rPr lang="en-US" sz="1800" dirty="0" err="1">
-                <a:effectLst/>
-                <a:latin typeface="Times New Roman" panose="02020603050405020304" pitchFamily="18" charset="0"/>
-                <a:ea typeface="Times New Roman" panose="02020603050405020304" pitchFamily="18" charset="0"/>
-              </a:rPr>
-              <a:t>quy</a:t>
-            </a:r>
-            <a:r>
-              <a:rPr lang="en-US" sz="1800" dirty="0">
-                <a:effectLst/>
-                <a:latin typeface="Times New Roman" panose="02020603050405020304" pitchFamily="18" charset="0"/>
-                <a:ea typeface="Times New Roman" panose="02020603050405020304" pitchFamily="18" charset="0"/>
-              </a:rPr>
-              <a:t> </a:t>
-            </a:r>
-            <a:r>
-              <a:rPr lang="en-US" sz="1800" dirty="0" err="1">
-                <a:effectLst/>
-                <a:latin typeface="Times New Roman" panose="02020603050405020304" pitchFamily="18" charset="0"/>
-                <a:ea typeface="Times New Roman" panose="02020603050405020304" pitchFamily="18" charset="0"/>
-              </a:rPr>
-              <a:t>trình</a:t>
-            </a:r>
-            <a:r>
-              <a:rPr lang="en-US" sz="1800" dirty="0">
-                <a:effectLst/>
-                <a:latin typeface="Times New Roman" panose="02020603050405020304" pitchFamily="18" charset="0"/>
-                <a:ea typeface="Times New Roman" panose="02020603050405020304" pitchFamily="18" charset="0"/>
-              </a:rPr>
-              <a:t> </a:t>
-            </a:r>
-            <a:r>
-              <a:rPr lang="en-US" sz="1800" dirty="0" err="1">
-                <a:effectLst/>
-                <a:latin typeface="Times New Roman" panose="02020603050405020304" pitchFamily="18" charset="0"/>
-                <a:ea typeface="Times New Roman" panose="02020603050405020304" pitchFamily="18" charset="0"/>
-              </a:rPr>
-              <a:t>này</a:t>
-            </a:r>
-            <a:r>
-              <a:rPr lang="en-US" sz="1800" dirty="0">
-                <a:effectLst/>
-                <a:latin typeface="Times New Roman" panose="02020603050405020304" pitchFamily="18" charset="0"/>
-                <a:ea typeface="Times New Roman" panose="02020603050405020304" pitchFamily="18" charset="0"/>
-              </a:rPr>
               <a:t>.</a:t>
             </a:r>
-          </a:p>
-          <a:p>
             <a:endParaRPr lang="en-US" dirty="0">
               <a:latin typeface="Times New Roman" panose="02020603050405020304" pitchFamily="18" charset="0"/>
               <a:cs typeface="Times New Roman" panose="02020603050405020304" pitchFamily="18" charset="0"/>
@@ -38463,13 +37845,13 @@
   <p:clrMapOvr>
     <a:masterClrMapping/>
   </p:clrMapOvr>
-  <mc:AlternateContent xmlns:mc="http://schemas.openxmlformats.org/markup-compatibility/2006">
-    <mc:Choice xmlns:p14="http://schemas.microsoft.com/office/powerpoint/2010/main" Requires="p14">
+  <mc:AlternateContent xmlns:mc="http://schemas.openxmlformats.org/markup-compatibility/2006" xmlns:p14="http://schemas.microsoft.com/office/powerpoint/2010/main">
+    <mc:Choice Requires="p14">
       <p:transition spd="med" p14:dur="700">
         <p:fade/>
       </p:transition>
     </mc:Choice>
-    <mc:Fallback>
+    <mc:Fallback xmlns="">
       <p:transition spd="med">
         <p:fade/>
       </p:transition>
@@ -38945,15 +38327,33 @@
                                   </p:childTnLst>
                                 </p:cTn>
                               </p:par>
+                            </p:childTnLst>
+                          </p:cTn>
+                        </p:par>
+                      </p:childTnLst>
+                    </p:cTn>
+                  </p:par>
+                  <p:par>
+                    <p:cTn id="33" fill="hold">
+                      <p:stCondLst>
+                        <p:cond delay="indefinite"/>
+                      </p:stCondLst>
+                      <p:childTnLst>
+                        <p:par>
+                          <p:cTn id="34" fill="hold">
+                            <p:stCondLst>
+                              <p:cond delay="0"/>
+                            </p:stCondLst>
+                            <p:childTnLst>
                               <p:par>
-                                <p:cTn id="33" presetID="42" presetClass="entr" presetSubtype="0" fill="hold" nodeType="withEffect">
+                                <p:cTn id="35" presetID="42" presetClass="entr" presetSubtype="0" fill="hold" nodeType="clickEffect">
                                   <p:stCondLst>
                                     <p:cond delay="0"/>
                                   </p:stCondLst>
                                   <p:childTnLst>
                                     <p:set>
                                       <p:cBhvr>
-                                        <p:cTn id="34" dur="1" fill="hold">
+                                        <p:cTn id="36" dur="1" fill="hold">
                                           <p:stCondLst>
                                             <p:cond delay="0"/>
                                           </p:stCondLst>
@@ -38975,7 +38375,7 @@
                                     </p:set>
                                     <p:animEffect transition="in" filter="fade">
                                       <p:cBhvr>
-                                        <p:cTn id="35" dur="1000"/>
+                                        <p:cTn id="37" dur="1000"/>
                                         <p:tgtEl>
                                           <p:spTgt spid="4">
                                             <p:txEl>
@@ -38987,7 +38387,7 @@
                                     </p:animEffect>
                                     <p:anim calcmode="lin" valueType="num">
                                       <p:cBhvr>
-                                        <p:cTn id="36" dur="1000" fill="hold"/>
+                                        <p:cTn id="38" dur="1000" fill="hold"/>
                                         <p:tgtEl>
                                           <p:spTgt spid="4">
                                             <p:txEl>
@@ -39014,7 +38414,7 @@
                                     </p:anim>
                                     <p:anim calcmode="lin" valueType="num">
                                       <p:cBhvr>
-                                        <p:cTn id="37" dur="1000" fill="hold"/>
+                                        <p:cTn id="39" dur="1000" fill="hold"/>
                                         <p:tgtEl>
                                           <p:spTgt spid="4">
                                             <p:txEl>
@@ -39043,14 +38443,14 @@
                                 </p:cTn>
                               </p:par>
                               <p:par>
-                                <p:cTn id="38" presetID="42" presetClass="entr" presetSubtype="0" fill="hold" nodeType="withEffect">
+                                <p:cTn id="40" presetID="42" presetClass="entr" presetSubtype="0" fill="hold" nodeType="withEffect">
                                   <p:stCondLst>
                                     <p:cond delay="0"/>
                                   </p:stCondLst>
                                   <p:childTnLst>
                                     <p:set>
                                       <p:cBhvr>
-                                        <p:cTn id="39" dur="1" fill="hold">
+                                        <p:cTn id="41" dur="1" fill="hold">
                                           <p:stCondLst>
                                             <p:cond delay="0"/>
                                           </p:stCondLst>
@@ -39072,7 +38472,7 @@
                                     </p:set>
                                     <p:animEffect transition="in" filter="fade">
                                       <p:cBhvr>
-                                        <p:cTn id="40" dur="1000"/>
+                                        <p:cTn id="42" dur="1000"/>
                                         <p:tgtEl>
                                           <p:spTgt spid="4">
                                             <p:txEl>
@@ -39084,7 +38484,7 @@
                                     </p:animEffect>
                                     <p:anim calcmode="lin" valueType="num">
                                       <p:cBhvr>
-                                        <p:cTn id="41" dur="1000" fill="hold"/>
+                                        <p:cTn id="43" dur="1000" fill="hold"/>
                                         <p:tgtEl>
                                           <p:spTgt spid="4">
                                             <p:txEl>
@@ -39111,7 +38511,7 @@
                                     </p:anim>
                                     <p:anim calcmode="lin" valueType="num">
                                       <p:cBhvr>
-                                        <p:cTn id="42" dur="1000" fill="hold"/>
+                                        <p:cTn id="44" dur="1000" fill="hold"/>
                                         <p:tgtEl>
                                           <p:spTgt spid="4">
                                             <p:txEl>
